--- a/Báo cáo cuối kỳ/13. Chain of Responsibility/Slide.pptx
+++ b/Báo cáo cuối kỳ/13. Chain of Responsibility/Slide.pptx
@@ -7,17 +7,16 @@
   <p:sldIdLst>
     <p:sldId id="256" r:id="rId2"/>
     <p:sldId id="258" r:id="rId3"/>
-    <p:sldId id="257" r:id="rId4"/>
-    <p:sldId id="267" r:id="rId5"/>
-    <p:sldId id="259" r:id="rId6"/>
-    <p:sldId id="268" r:id="rId7"/>
-    <p:sldId id="260" r:id="rId8"/>
-    <p:sldId id="262" r:id="rId9"/>
-    <p:sldId id="263" r:id="rId10"/>
-    <p:sldId id="264" r:id="rId11"/>
+    <p:sldId id="267" r:id="rId4"/>
+    <p:sldId id="259" r:id="rId5"/>
+    <p:sldId id="268" r:id="rId6"/>
+    <p:sldId id="260" r:id="rId7"/>
+    <p:sldId id="262" r:id="rId8"/>
+    <p:sldId id="263" r:id="rId9"/>
+    <p:sldId id="264" r:id="rId10"/>
+    <p:sldId id="266" r:id="rId11"/>
     <p:sldId id="269" r:id="rId12"/>
-    <p:sldId id="266" r:id="rId13"/>
-    <p:sldId id="265" r:id="rId14"/>
+    <p:sldId id="265" r:id="rId13"/>
   </p:sldIdLst>
   <p:sldSz cx="12192000" cy="6858000"/>
   <p:notesSz cx="6858000" cy="9144000"/>
@@ -846,7 +845,7 @@
           <a:p>
             <a:fld id="{A7C4B4EA-4E57-43B5-9E64-45E867927BA5}" type="datetimeFigureOut">
               <a:rPr lang="en-US" smtClean="0"/>
-              <a:t>12/4/2016</a:t>
+              <a:t>12/8/2016</a:t>
             </a:fld>
             <a:endParaRPr lang="en-US"/>
           </a:p>
@@ -1097,7 +1096,7 @@
           <a:p>
             <a:fld id="{A7C4B4EA-4E57-43B5-9E64-45E867927BA5}" type="datetimeFigureOut">
               <a:rPr lang="en-US" smtClean="0"/>
-              <a:t>12/4/2016</a:t>
+              <a:t>12/8/2016</a:t>
             </a:fld>
             <a:endParaRPr lang="en-US"/>
           </a:p>
@@ -1411,7 +1410,7 @@
           <a:p>
             <a:fld id="{A7C4B4EA-4E57-43B5-9E64-45E867927BA5}" type="datetimeFigureOut">
               <a:rPr lang="en-US" smtClean="0"/>
-              <a:t>12/4/2016</a:t>
+              <a:t>12/8/2016</a:t>
             </a:fld>
             <a:endParaRPr lang="en-US"/>
           </a:p>
@@ -1752,7 +1751,7 @@
           <a:p>
             <a:fld id="{A7C4B4EA-4E57-43B5-9E64-45E867927BA5}" type="datetimeFigureOut">
               <a:rPr lang="en-US" smtClean="0"/>
-              <a:t>12/4/2016</a:t>
+              <a:t>12/8/2016</a:t>
             </a:fld>
             <a:endParaRPr lang="en-US"/>
           </a:p>
@@ -2066,7 +2065,7 @@
           <a:p>
             <a:fld id="{A7C4B4EA-4E57-43B5-9E64-45E867927BA5}" type="datetimeFigureOut">
               <a:rPr lang="en-US" smtClean="0"/>
-              <a:t>12/4/2016</a:t>
+              <a:t>12/8/2016</a:t>
             </a:fld>
             <a:endParaRPr lang="en-US"/>
           </a:p>
@@ -2459,7 +2458,7 @@
           <a:p>
             <a:fld id="{A7C4B4EA-4E57-43B5-9E64-45E867927BA5}" type="datetimeFigureOut">
               <a:rPr lang="en-US" smtClean="0"/>
-              <a:t>12/4/2016</a:t>
+              <a:t>12/8/2016</a:t>
             </a:fld>
             <a:endParaRPr lang="en-US"/>
           </a:p>
@@ -2629,7 +2628,7 @@
           <a:p>
             <a:fld id="{A7C4B4EA-4E57-43B5-9E64-45E867927BA5}" type="datetimeFigureOut">
               <a:rPr lang="en-US" smtClean="0"/>
-              <a:t>12/4/2016</a:t>
+              <a:t>12/8/2016</a:t>
             </a:fld>
             <a:endParaRPr lang="en-US"/>
           </a:p>
@@ -2809,7 +2808,7 @@
           <a:p>
             <a:fld id="{A7C4B4EA-4E57-43B5-9E64-45E867927BA5}" type="datetimeFigureOut">
               <a:rPr lang="en-US" smtClean="0"/>
-              <a:t>12/4/2016</a:t>
+              <a:t>12/8/2016</a:t>
             </a:fld>
             <a:endParaRPr lang="en-US"/>
           </a:p>
@@ -2985,7 +2984,7 @@
           <a:p>
             <a:fld id="{A7C4B4EA-4E57-43B5-9E64-45E867927BA5}" type="datetimeFigureOut">
               <a:rPr lang="en-US" smtClean="0"/>
-              <a:t>12/4/2016</a:t>
+              <a:t>12/8/2016</a:t>
             </a:fld>
             <a:endParaRPr lang="en-US"/>
           </a:p>
@@ -3232,7 +3231,7 @@
           <a:p>
             <a:fld id="{A7C4B4EA-4E57-43B5-9E64-45E867927BA5}" type="datetimeFigureOut">
               <a:rPr lang="en-US" smtClean="0"/>
-              <a:t>12/4/2016</a:t>
+              <a:t>12/8/2016</a:t>
             </a:fld>
             <a:endParaRPr lang="en-US"/>
           </a:p>
@@ -3464,7 +3463,7 @@
           <a:p>
             <a:fld id="{A7C4B4EA-4E57-43B5-9E64-45E867927BA5}" type="datetimeFigureOut">
               <a:rPr lang="en-US" smtClean="0"/>
-              <a:t>12/4/2016</a:t>
+              <a:t>12/8/2016</a:t>
             </a:fld>
             <a:endParaRPr lang="en-US"/>
           </a:p>
@@ -3838,7 +3837,7 @@
           <a:p>
             <a:fld id="{A7C4B4EA-4E57-43B5-9E64-45E867927BA5}" type="datetimeFigureOut">
               <a:rPr lang="en-US" smtClean="0"/>
-              <a:t>12/4/2016</a:t>
+              <a:t>12/8/2016</a:t>
             </a:fld>
             <a:endParaRPr lang="en-US"/>
           </a:p>
@@ -3961,7 +3960,7 @@
           <a:p>
             <a:fld id="{A7C4B4EA-4E57-43B5-9E64-45E867927BA5}" type="datetimeFigureOut">
               <a:rPr lang="en-US" smtClean="0"/>
-              <a:t>12/4/2016</a:t>
+              <a:t>12/8/2016</a:t>
             </a:fld>
             <a:endParaRPr lang="en-US"/>
           </a:p>
@@ -4056,7 +4055,7 @@
           <a:p>
             <a:fld id="{A7C4B4EA-4E57-43B5-9E64-45E867927BA5}" type="datetimeFigureOut">
               <a:rPr lang="en-US" smtClean="0"/>
-              <a:t>12/4/2016</a:t>
+              <a:t>12/8/2016</a:t>
             </a:fld>
             <a:endParaRPr lang="en-US"/>
           </a:p>
@@ -4311,7 +4310,7 @@
           <a:p>
             <a:fld id="{A7C4B4EA-4E57-43B5-9E64-45E867927BA5}" type="datetimeFigureOut">
               <a:rPr lang="en-US" smtClean="0"/>
-              <a:t>12/4/2016</a:t>
+              <a:t>12/8/2016</a:t>
             </a:fld>
             <a:endParaRPr lang="en-US"/>
           </a:p>
@@ -4574,7 +4573,7 @@
           <a:p>
             <a:fld id="{A7C4B4EA-4E57-43B5-9E64-45E867927BA5}" type="datetimeFigureOut">
               <a:rPr lang="en-US" smtClean="0"/>
-              <a:t>12/4/2016</a:t>
+              <a:t>12/8/2016</a:t>
             </a:fld>
             <a:endParaRPr lang="en-US"/>
           </a:p>
@@ -5317,7 +5316,7 @@
           <a:p>
             <a:fld id="{A7C4B4EA-4E57-43B5-9E64-45E867927BA5}" type="datetimeFigureOut">
               <a:rPr lang="en-US" smtClean="0"/>
-              <a:t>12/4/2016</a:t>
+              <a:t>12/8/2016</a:t>
             </a:fld>
             <a:endParaRPr lang="en-US"/>
           </a:p>
@@ -5857,9 +5856,18 @@
           <a:lstStyle/>
           <a:p>
             <a:r>
-              <a:rPr lang="en-US" b="1"/>
+              <a:rPr lang="en-US" b="1" dirty="0" err="1"/>
               <a:t>Mẫu</a:t>
             </a:r>
+            <a:r>
+              <a:rPr lang="en-US" b="1" dirty="0"/>
+              <a:t> </a:t>
+            </a:r>
+            <a:r>
+              <a:rPr lang="en-US" b="1" dirty="0" smtClean="0"/>
+              <a:t>Chain of Responsibility</a:t>
+            </a:r>
+            <a:endParaRPr lang="en-US" b="1" dirty="0"/>
           </a:p>
         </p:txBody>
       </p:sp>
@@ -5881,28 +5889,89 @@
           <a:lstStyle/>
           <a:p>
             <a:r>
-              <a:rPr lang="en-US" sz="7200"/>
-              <a:t>Nhóm 28:</a:t>
-            </a:r>
-          </a:p>
-          <a:p>
-            <a:r>
-              <a:rPr lang="en-US" sz="7200"/>
-              <a:t>	Văn Vũ Tuấn</a:t>
-            </a:r>
-          </a:p>
-          <a:p>
-            <a:r>
-              <a:rPr lang="en-US" sz="7200"/>
-              <a:t>Phạm Ngọc Linh</a:t>
-            </a:r>
-          </a:p>
-          <a:p>
-            <a:r>
-              <a:rPr lang="en-US" sz="7200"/>
-              <a:t>Huỳnh Đức Đăng Khoa</a:t>
-            </a:r>
-            <a:endParaRPr lang="en-US"/>
+              <a:rPr lang="en-US" sz="7200" dirty="0" err="1"/>
+              <a:t>Nhóm</a:t>
+            </a:r>
+            <a:r>
+              <a:rPr lang="en-US" sz="7200" dirty="0"/>
+              <a:t> 28:</a:t>
+            </a:r>
+          </a:p>
+          <a:p>
+            <a:r>
+              <a:rPr lang="en-US" sz="7200" dirty="0"/>
+              <a:t>	</a:t>
+            </a:r>
+            <a:r>
+              <a:rPr lang="en-US" sz="7200" dirty="0" err="1"/>
+              <a:t>Văn</a:t>
+            </a:r>
+            <a:r>
+              <a:rPr lang="en-US" sz="7200" dirty="0"/>
+              <a:t> </a:t>
+            </a:r>
+            <a:r>
+              <a:rPr lang="en-US" sz="7200" dirty="0" err="1"/>
+              <a:t>Vũ</a:t>
+            </a:r>
+            <a:r>
+              <a:rPr lang="en-US" sz="7200" dirty="0"/>
+              <a:t> </a:t>
+            </a:r>
+            <a:r>
+              <a:rPr lang="en-US" sz="7200" dirty="0" err="1"/>
+              <a:t>Tuấn</a:t>
+            </a:r>
+            <a:endParaRPr lang="en-US" sz="7200" dirty="0"/>
+          </a:p>
+          <a:p>
+            <a:r>
+              <a:rPr lang="en-US" sz="7200" dirty="0" err="1"/>
+              <a:t>Phạm</a:t>
+            </a:r>
+            <a:r>
+              <a:rPr lang="en-US" sz="7200" dirty="0"/>
+              <a:t> </a:t>
+            </a:r>
+            <a:r>
+              <a:rPr lang="en-US" sz="7200" dirty="0" err="1"/>
+              <a:t>Ngọc</a:t>
+            </a:r>
+            <a:r>
+              <a:rPr lang="en-US" sz="7200" dirty="0"/>
+              <a:t> Linh</a:t>
+            </a:r>
+          </a:p>
+          <a:p>
+            <a:r>
+              <a:rPr lang="en-US" sz="7200" dirty="0" err="1"/>
+              <a:t>Huỳnh</a:t>
+            </a:r>
+            <a:r>
+              <a:rPr lang="en-US" sz="7200" dirty="0"/>
+              <a:t> </a:t>
+            </a:r>
+            <a:r>
+              <a:rPr lang="en-US" sz="7200" dirty="0" err="1"/>
+              <a:t>Đức</a:t>
+            </a:r>
+            <a:r>
+              <a:rPr lang="en-US" sz="7200" dirty="0"/>
+              <a:t> </a:t>
+            </a:r>
+            <a:r>
+              <a:rPr lang="en-US" sz="7200" dirty="0" err="1"/>
+              <a:t>Đăng</a:t>
+            </a:r>
+            <a:r>
+              <a:rPr lang="en-US" sz="7200" dirty="0"/>
+              <a:t> </a:t>
+            </a:r>
+            <a:r>
+              <a:rPr lang="en-US" sz="7200" dirty="0" err="1"/>
+              <a:t>Khoa</a:t>
+            </a:r>
+            <a:endParaRPr lang="en-US" dirty="0"/>
           </a:p>
         </p:txBody>
       </p:sp>
@@ -5953,7 +6022,7 @@
           <a:p>
             <a:r>
               <a:rPr lang="en-US" b="1"/>
-              <a:t>Các chú ý liên quan đến cài đặt</a:t>
+              <a:t>Ví dụ về một số hệ thống thực tế</a:t>
             </a:r>
           </a:p>
         </p:txBody>
@@ -5973,14 +6042,109 @@
           <a:bodyPr/>
           <a:lstStyle/>
           <a:p>
-            <a:endParaRPr lang="en-US"/>
+            <a:r>
+              <a:rPr lang="en-US" dirty="0" smtClean="0"/>
+              <a:t>ATM </a:t>
+            </a:r>
+            <a:r>
+              <a:rPr lang="en-US" dirty="0" err="1" smtClean="0"/>
+              <a:t>sử</a:t>
+            </a:r>
+            <a:r>
+              <a:rPr lang="en-US" dirty="0" smtClean="0"/>
+              <a:t> </a:t>
+            </a:r>
+            <a:r>
+              <a:rPr lang="en-US" dirty="0" err="1" smtClean="0"/>
+              <a:t>dụng</a:t>
+            </a:r>
+            <a:r>
+              <a:rPr lang="en-US" dirty="0" smtClean="0"/>
+              <a:t> </a:t>
+            </a:r>
+            <a:r>
+              <a:rPr lang="en-US" dirty="0" err="1" smtClean="0"/>
+              <a:t>mẫu</a:t>
+            </a:r>
+            <a:r>
+              <a:rPr lang="en-US" dirty="0" smtClean="0"/>
+              <a:t> </a:t>
+            </a:r>
+            <a:r>
+              <a:rPr lang="en-US" dirty="0" err="1" smtClean="0"/>
+              <a:t>này</a:t>
+            </a:r>
+            <a:r>
+              <a:rPr lang="en-US" dirty="0" smtClean="0"/>
+              <a:t> </a:t>
+            </a:r>
+            <a:r>
+              <a:rPr lang="en-US" dirty="0" err="1" smtClean="0"/>
+              <a:t>tron</a:t>
+            </a:r>
+            <a:r>
+              <a:rPr lang="en-US" dirty="0" err="1" smtClean="0"/>
+              <a:t>g</a:t>
+            </a:r>
+            <a:r>
+              <a:rPr lang="en-US" dirty="0" smtClean="0"/>
+              <a:t> </a:t>
+            </a:r>
+            <a:r>
+              <a:rPr lang="en-US" dirty="0" err="1" smtClean="0"/>
+              <a:t>việc</a:t>
+            </a:r>
+            <a:r>
+              <a:rPr lang="en-US" dirty="0" smtClean="0"/>
+              <a:t> </a:t>
+            </a:r>
+            <a:r>
+              <a:rPr lang="en-US" dirty="0" err="1" smtClean="0"/>
+              <a:t>trả</a:t>
+            </a:r>
+            <a:r>
+              <a:rPr lang="en-US" dirty="0" smtClean="0"/>
+              <a:t> </a:t>
+            </a:r>
+            <a:r>
+              <a:rPr lang="en-US" dirty="0" err="1" smtClean="0"/>
+              <a:t>tiền</a:t>
+            </a:r>
+            <a:r>
+              <a:rPr lang="en-US" dirty="0" smtClean="0"/>
+              <a:t> </a:t>
+            </a:r>
+            <a:r>
+              <a:rPr lang="en-US" dirty="0" err="1" smtClean="0"/>
+              <a:t>cho</a:t>
+            </a:r>
+            <a:r>
+              <a:rPr lang="en-US" dirty="0" smtClean="0"/>
+              <a:t> </a:t>
+            </a:r>
+            <a:r>
+              <a:rPr lang="en-US" dirty="0" err="1" smtClean="0"/>
+              <a:t>người</a:t>
+            </a:r>
+            <a:r>
+              <a:rPr lang="en-US" dirty="0"/>
+              <a:t> </a:t>
+            </a:r>
+            <a:r>
+              <a:rPr lang="en-US" dirty="0" err="1" smtClean="0"/>
+              <a:t>rút</a:t>
+            </a:r>
+            <a:r>
+              <a:rPr lang="en-US" dirty="0" smtClean="0"/>
+              <a:t>.</a:t>
+            </a:r>
           </a:p>
         </p:txBody>
       </p:sp>
     </p:spTree>
     <p:extLst>
       <p:ext uri="{BB962C8B-B14F-4D97-AF65-F5344CB8AC3E}">
-        <p14:creationId xmlns:p14="http://schemas.microsoft.com/office/powerpoint/2010/main" val="1313416780"/>
+        <p14:creationId xmlns:p14="http://schemas.microsoft.com/office/powerpoint/2010/main" val="249959304"/>
       </p:ext>
     </p:extLst>
   </p:cSld>
@@ -6044,7 +6208,88 @@
           <a:bodyPr/>
           <a:lstStyle/>
           <a:p>
-            <a:endParaRPr lang="en-US" b="1"/>
+            <a:pPr lvl="0"/>
+            <a:r>
+              <a:rPr lang="en-US" dirty="0" err="1"/>
+              <a:t>Mẫu</a:t>
+            </a:r>
+            <a:r>
+              <a:rPr lang="en-US" dirty="0"/>
+              <a:t> </a:t>
+            </a:r>
+            <a:r>
+              <a:rPr lang="en-US" dirty="0" smtClean="0"/>
+              <a:t>Chain </a:t>
+            </a:r>
+            <a:r>
+              <a:rPr lang="en-US" dirty="0" smtClean="0"/>
+              <a:t>of </a:t>
+            </a:r>
+            <a:r>
+              <a:rPr lang="en-US" dirty="0" err="1" smtClean="0"/>
+              <a:t>Reponsibility</a:t>
+            </a:r>
+            <a:r>
+              <a:rPr lang="en-US" dirty="0" smtClean="0"/>
+              <a:t> </a:t>
+            </a:r>
+            <a:r>
+              <a:rPr lang="en-US" dirty="0" err="1" smtClean="0"/>
+              <a:t>thường</a:t>
+            </a:r>
+            <a:r>
+              <a:rPr lang="en-US" dirty="0" smtClean="0"/>
+              <a:t> </a:t>
+            </a:r>
+            <a:r>
+              <a:rPr lang="en-US" dirty="0" err="1"/>
+              <a:t>được</a:t>
+            </a:r>
+            <a:r>
+              <a:rPr lang="en-US" dirty="0"/>
+              <a:t> </a:t>
+            </a:r>
+            <a:r>
+              <a:rPr lang="en-US" dirty="0" err="1"/>
+              <a:t>kết</a:t>
+            </a:r>
+            <a:r>
+              <a:rPr lang="en-US" dirty="0"/>
+              <a:t> </a:t>
+            </a:r>
+            <a:r>
+              <a:rPr lang="en-US" dirty="0" err="1"/>
+              <a:t>hợp</a:t>
+            </a:r>
+            <a:r>
+              <a:rPr lang="en-US" dirty="0"/>
+              <a:t> </a:t>
+            </a:r>
+            <a:r>
+              <a:rPr lang="en-US" dirty="0" err="1"/>
+              <a:t>với</a:t>
+            </a:r>
+            <a:r>
+              <a:rPr lang="en-US" dirty="0"/>
+              <a:t> </a:t>
+            </a:r>
+            <a:r>
+              <a:rPr lang="en-US" dirty="0" err="1"/>
+              <a:t>mẫu</a:t>
+            </a:r>
+            <a:r>
+              <a:rPr lang="en-US" dirty="0"/>
+              <a:t> </a:t>
+            </a:r>
+            <a:r>
+              <a:rPr lang="en-US" b="1" dirty="0" smtClean="0"/>
+              <a:t>Specification</a:t>
+            </a:r>
+            <a:r>
+              <a:rPr lang="en-US" b="1" dirty="0"/>
+              <a:t>.</a:t>
+            </a:r>
+            <a:endParaRPr lang="en-US" b="1" dirty="0"/>
           </a:p>
         </p:txBody>
       </p:sp>
@@ -6095,77 +6340,6 @@
           <a:p>
             <a:r>
               <a:rPr lang="en-US" b="1"/>
-              <a:t>Ví dụ về một số hệ thống thực tế</a:t>
-            </a:r>
-          </a:p>
-        </p:txBody>
-      </p:sp>
-      <p:sp>
-        <p:nvSpPr>
-          <p:cNvPr id="3" name="Content Placeholder 2"/>
-          <p:cNvSpPr>
-            <a:spLocks noGrp="1"/>
-          </p:cNvSpPr>
-          <p:nvPr>
-            <p:ph idx="1"/>
-          </p:nvPr>
-        </p:nvSpPr>
-        <p:spPr/>
-        <p:txBody>
-          <a:bodyPr/>
-          <a:lstStyle/>
-          <a:p>
-            <a:endParaRPr lang="en-US"/>
-          </a:p>
-        </p:txBody>
-      </p:sp>
-    </p:spTree>
-    <p:extLst>
-      <p:ext uri="{BB962C8B-B14F-4D97-AF65-F5344CB8AC3E}">
-        <p14:creationId xmlns:p14="http://schemas.microsoft.com/office/powerpoint/2010/main" val="249959304"/>
-      </p:ext>
-    </p:extLst>
-  </p:cSld>
-  <p:clrMapOvr>
-    <a:masterClrMapping/>
-  </p:clrMapOvr>
-</p:sld>
-</file>
-
-<file path=ppt/slides/slide13.xml><?xml version="1.0" encoding="utf-8"?>
-<p:sld xmlns:a="http://schemas.openxmlformats.org/drawingml/2006/main" xmlns:r="http://schemas.openxmlformats.org/officeDocument/2006/relationships" xmlns:p="http://schemas.openxmlformats.org/presentationml/2006/main">
-  <p:cSld>
-    <p:spTree>
-      <p:nvGrpSpPr>
-        <p:cNvPr id="1" name=""/>
-        <p:cNvGrpSpPr/>
-        <p:nvPr/>
-      </p:nvGrpSpPr>
-      <p:grpSpPr>
-        <a:xfrm>
-          <a:off x="0" y="0"/>
-          <a:ext cx="0" cy="0"/>
-          <a:chOff x="0" y="0"/>
-          <a:chExt cx="0" cy="0"/>
-        </a:xfrm>
-      </p:grpSpPr>
-      <p:sp>
-        <p:nvSpPr>
-          <p:cNvPr id="2" name="Title 1"/>
-          <p:cNvSpPr>
-            <a:spLocks noGrp="1"/>
-          </p:cNvSpPr>
-          <p:nvPr>
-            <p:ph type="title"/>
-          </p:nvPr>
-        </p:nvSpPr>
-        <p:spPr/>
-        <p:txBody>
-          <a:bodyPr/>
-          <a:lstStyle/>
-          <a:p>
-            <a:r>
-              <a:rPr lang="en-US" b="1"/>
               <a:t>Demo</a:t>
             </a:r>
           </a:p>
@@ -6258,26 +6432,69 @@
           <a:lstStyle/>
           <a:p>
             <a:r>
-              <a:rPr lang="en-US"/>
-              <a:t>Tên đầy đủ:</a:t>
-            </a:r>
-            <a:endParaRPr lang="en-US" b="1"/>
-          </a:p>
-          <a:p>
-            <a:r>
-              <a:rPr lang="en-US"/>
-              <a:t>Tên ngắn gọn</a:t>
-            </a:r>
-            <a:r>
-              <a:rPr lang="en-US" b="1"/>
-              <a:t>:</a:t>
-            </a:r>
-          </a:p>
-          <a:p>
-            <a:r>
-              <a:rPr lang="en-US"/>
-              <a:t>Phân loại:</a:t>
-            </a:r>
+              <a:rPr lang="en-US" dirty="0" err="1"/>
+              <a:t>Tên</a:t>
+            </a:r>
+            <a:r>
+              <a:rPr lang="en-US" dirty="0"/>
+              <a:t> </a:t>
+            </a:r>
+            <a:r>
+              <a:rPr lang="en-US" dirty="0" err="1"/>
+              <a:t>đầy</a:t>
+            </a:r>
+            <a:r>
+              <a:rPr lang="en-US" dirty="0"/>
+              <a:t> </a:t>
+            </a:r>
+            <a:r>
+              <a:rPr lang="en-US" dirty="0" err="1"/>
+              <a:t>đủ</a:t>
+            </a:r>
+            <a:r>
+              <a:rPr lang="en-US" dirty="0"/>
+              <a:t>: </a:t>
+            </a:r>
+            <a:r>
+              <a:rPr lang="en-US" dirty="0" smtClean="0"/>
+              <a:t>Chain of Responsibility.</a:t>
+            </a:r>
+            <a:endParaRPr lang="en-US" b="1" dirty="0"/>
+          </a:p>
+          <a:p>
+            <a:r>
+              <a:rPr lang="en-US" dirty="0" err="1"/>
+              <a:t>Phân</a:t>
+            </a:r>
+            <a:r>
+              <a:rPr lang="en-US" dirty="0"/>
+              <a:t> </a:t>
+            </a:r>
+            <a:r>
+              <a:rPr lang="en-US" dirty="0" err="1"/>
+              <a:t>loại</a:t>
+            </a:r>
+            <a:r>
+              <a:rPr lang="en-US" dirty="0" smtClean="0"/>
+              <a:t>: </a:t>
+            </a:r>
+            <a:r>
+              <a:rPr lang="en-US" dirty="0" err="1" smtClean="0"/>
+              <a:t>Mẫu</a:t>
+            </a:r>
+            <a:r>
+              <a:rPr lang="en-US" dirty="0" smtClean="0"/>
+              <a:t> </a:t>
+            </a:r>
+            <a:r>
+              <a:rPr lang="en-US" dirty="0" err="1" smtClean="0"/>
+              <a:t>hành</a:t>
+            </a:r>
+            <a:r>
+              <a:rPr lang="en-US" dirty="0" smtClean="0"/>
+              <a:t> vi.</a:t>
+            </a:r>
+            <a:endParaRPr lang="en-US" dirty="0"/>
           </a:p>
         </p:txBody>
       </p:sp>
@@ -6328,7 +6545,7 @@
           <a:p>
             <a:r>
               <a:rPr lang="en-US" b="1"/>
-              <a:t>Khái niệm		</a:t>
+              <a:t>Mục đích, ý định</a:t>
             </a:r>
           </a:p>
         </p:txBody>
@@ -6348,20 +6565,524 @@
           <a:bodyPr/>
           <a:lstStyle/>
           <a:p>
-            <a:r>
-              <a:rPr lang="en-US"/>
+            <a:pPr lvl="0"/>
+            <a:r>
+              <a:rPr lang="en-US" dirty="0" smtClean="0"/>
+              <a:t>Cho </a:t>
+            </a:r>
+            <a:r>
+              <a:rPr lang="en-US" dirty="0" err="1" smtClean="0"/>
+              <a:t>phép</a:t>
+            </a:r>
+            <a:r>
+              <a:rPr lang="en-US" dirty="0" smtClean="0"/>
+              <a:t> </a:t>
+            </a:r>
+            <a:r>
+              <a:rPr lang="en-US" dirty="0" err="1" smtClean="0"/>
+              <a:t>nhiều</a:t>
+            </a:r>
+            <a:r>
+              <a:rPr lang="en-US" dirty="0" smtClean="0"/>
+              <a:t> class </a:t>
+            </a:r>
+            <a:r>
+              <a:rPr lang="en-US" dirty="0" err="1" smtClean="0"/>
+              <a:t>có</a:t>
+            </a:r>
+            <a:r>
+              <a:rPr lang="en-US" dirty="0" smtClean="0"/>
+              <a:t> </a:t>
+            </a:r>
+            <a:r>
+              <a:rPr lang="en-US" dirty="0" err="1" smtClean="0"/>
+              <a:t>cơ</a:t>
+            </a:r>
+            <a:r>
+              <a:rPr lang="en-US" dirty="0" smtClean="0"/>
+              <a:t> </a:t>
+            </a:r>
+            <a:r>
+              <a:rPr lang="en-US" dirty="0" err="1" smtClean="0"/>
+              <a:t>hội</a:t>
+            </a:r>
+            <a:r>
+              <a:rPr lang="en-US" dirty="0" smtClean="0"/>
+              <a:t> </a:t>
+            </a:r>
+            <a:r>
+              <a:rPr lang="en-US" dirty="0" err="1" smtClean="0"/>
+              <a:t>để</a:t>
+            </a:r>
+            <a:r>
+              <a:rPr lang="en-US" dirty="0" smtClean="0"/>
+              <a:t> </a:t>
+            </a:r>
+            <a:r>
+              <a:rPr lang="en-US" dirty="0" err="1" smtClean="0"/>
+              <a:t>xử</a:t>
+            </a:r>
+            <a:r>
+              <a:rPr lang="en-US" dirty="0" smtClean="0"/>
+              <a:t> </a:t>
+            </a:r>
+            <a:r>
+              <a:rPr lang="en-US" dirty="0" err="1" smtClean="0"/>
+              <a:t>lý</a:t>
+            </a:r>
+            <a:r>
+              <a:rPr lang="en-US" dirty="0" smtClean="0"/>
+              <a:t> </a:t>
+            </a:r>
+            <a:r>
+              <a:rPr lang="en-US" dirty="0" err="1" smtClean="0"/>
+              <a:t>chung</a:t>
+            </a:r>
+            <a:r>
+              <a:rPr lang="en-US" dirty="0" smtClean="0"/>
+              <a:t> </a:t>
+            </a:r>
+            <a:r>
+              <a:rPr lang="en-US" dirty="0" err="1" smtClean="0"/>
+              <a:t>một</a:t>
+            </a:r>
+            <a:r>
+              <a:rPr lang="en-US" dirty="0" smtClean="0"/>
+              <a:t> request </a:t>
+            </a:r>
+            <a:r>
+              <a:rPr lang="en-US" dirty="0" err="1" smtClean="0"/>
+              <a:t>mà</a:t>
+            </a:r>
+            <a:r>
+              <a:rPr lang="en-US" dirty="0" smtClean="0"/>
+              <a:t> </a:t>
+            </a:r>
+            <a:r>
+              <a:rPr lang="en-US" dirty="0" err="1" smtClean="0"/>
+              <a:t>không</a:t>
+            </a:r>
+            <a:r>
+              <a:rPr lang="en-US" dirty="0" smtClean="0"/>
+              <a:t> </a:t>
+            </a:r>
+            <a:r>
+              <a:rPr lang="en-US" dirty="0" err="1" smtClean="0"/>
+              <a:t>cần</a:t>
+            </a:r>
+            <a:r>
+              <a:rPr lang="en-US" dirty="0" smtClean="0"/>
+              <a:t> </a:t>
+            </a:r>
+            <a:r>
+              <a:rPr lang="en-US" dirty="0" err="1" smtClean="0"/>
+              <a:t>biết</a:t>
+            </a:r>
+            <a:r>
+              <a:rPr lang="en-US" dirty="0" smtClean="0"/>
+              <a:t> </a:t>
+            </a:r>
+            <a:r>
+              <a:rPr lang="en-US" dirty="0" err="1" smtClean="0"/>
+              <a:t>các</a:t>
+            </a:r>
+            <a:r>
+              <a:rPr lang="en-US" dirty="0" smtClean="0"/>
+              <a:t> </a:t>
+            </a:r>
+            <a:r>
+              <a:rPr lang="en-US" dirty="0" err="1" smtClean="0"/>
+              <a:t>lớp</a:t>
+            </a:r>
+            <a:r>
+              <a:rPr lang="en-US" dirty="0" smtClean="0"/>
+              <a:t> </a:t>
+            </a:r>
+            <a:r>
+              <a:rPr lang="en-US" dirty="0" err="1" smtClean="0"/>
+              <a:t>còn</a:t>
+            </a:r>
+            <a:r>
+              <a:rPr lang="en-US" dirty="0" smtClean="0"/>
+              <a:t> </a:t>
+            </a:r>
+            <a:r>
+              <a:rPr lang="en-US" dirty="0" err="1" smtClean="0"/>
+              <a:t>lại</a:t>
+            </a:r>
+            <a:r>
+              <a:rPr lang="en-US" dirty="0"/>
+              <a:t> </a:t>
+            </a:r>
+            <a:r>
+              <a:rPr lang="en-US" dirty="0" err="1" smtClean="0"/>
+              <a:t>xử</a:t>
+            </a:r>
+            <a:r>
+              <a:rPr lang="en-US" dirty="0" smtClean="0"/>
+              <a:t> </a:t>
+            </a:r>
+            <a:r>
+              <a:rPr lang="en-US" dirty="0" err="1" smtClean="0"/>
+              <a:t>lý</a:t>
+            </a:r>
+            <a:r>
+              <a:rPr lang="en-US" dirty="0" smtClean="0"/>
+              <a:t> </a:t>
+            </a:r>
+            <a:r>
+              <a:rPr lang="en-US" dirty="0" err="1" smtClean="0"/>
+              <a:t>như</a:t>
+            </a:r>
+            <a:r>
+              <a:rPr lang="en-US" dirty="0" smtClean="0"/>
+              <a:t> </a:t>
+            </a:r>
+            <a:r>
+              <a:rPr lang="en-US" dirty="0" err="1" smtClean="0"/>
+              <a:t>thế</a:t>
+            </a:r>
+            <a:r>
+              <a:rPr lang="en-US" dirty="0" smtClean="0"/>
+              <a:t> </a:t>
+            </a:r>
+            <a:r>
+              <a:rPr lang="en-US" dirty="0" err="1" smtClean="0"/>
+              <a:t>nào</a:t>
+            </a:r>
+            <a:r>
+              <a:rPr lang="en-US" dirty="0" smtClean="0"/>
               <a:t>.</a:t>
             </a:r>
           </a:p>
           <a:p>
-            <a:endParaRPr lang="en-US"/>
+            <a:r>
+              <a:rPr lang="en-US" dirty="0" err="1" smtClean="0"/>
+              <a:t>Các</a:t>
+            </a:r>
+            <a:r>
+              <a:rPr lang="en-US" dirty="0" smtClean="0"/>
+              <a:t> </a:t>
+            </a:r>
+            <a:r>
+              <a:rPr lang="en-US" dirty="0" err="1" smtClean="0"/>
+              <a:t>lớp</a:t>
+            </a:r>
+            <a:r>
+              <a:rPr lang="en-US" dirty="0" smtClean="0"/>
+              <a:t> </a:t>
+            </a:r>
+            <a:r>
+              <a:rPr lang="en-US" dirty="0" err="1" smtClean="0"/>
+              <a:t>này</a:t>
+            </a:r>
+            <a:r>
+              <a:rPr lang="en-US" dirty="0" smtClean="0"/>
+              <a:t> </a:t>
+            </a:r>
+            <a:r>
+              <a:rPr lang="en-US" dirty="0" err="1" smtClean="0"/>
+              <a:t>không</a:t>
+            </a:r>
+            <a:r>
+              <a:rPr lang="en-US" dirty="0" smtClean="0"/>
+              <a:t> </a:t>
+            </a:r>
+            <a:r>
+              <a:rPr lang="en-US" dirty="0" err="1" smtClean="0"/>
+              <a:t>có</a:t>
+            </a:r>
+            <a:r>
+              <a:rPr lang="en-US" dirty="0" smtClean="0"/>
+              <a:t> </a:t>
+            </a:r>
+            <a:r>
+              <a:rPr lang="en-US" dirty="0" err="1" smtClean="0"/>
+              <a:t>liên</a:t>
+            </a:r>
+            <a:r>
+              <a:rPr lang="en-US" dirty="0" smtClean="0"/>
+              <a:t> </a:t>
+            </a:r>
+            <a:r>
+              <a:rPr lang="en-US" dirty="0" err="1" smtClean="0"/>
+              <a:t>kết</a:t>
+            </a:r>
+            <a:r>
+              <a:rPr lang="en-US" dirty="0" smtClean="0"/>
+              <a:t> </a:t>
+            </a:r>
+            <a:r>
+              <a:rPr lang="en-US" dirty="0" err="1" smtClean="0"/>
+              <a:t>chặt</a:t>
+            </a:r>
+            <a:r>
+              <a:rPr lang="en-US" dirty="0" smtClean="0"/>
+              <a:t> </a:t>
+            </a:r>
+            <a:r>
+              <a:rPr lang="en-US" dirty="0" err="1" smtClean="0"/>
+              <a:t>chẽ</a:t>
+            </a:r>
+            <a:r>
+              <a:rPr lang="en-US" dirty="0" smtClean="0"/>
+              <a:t> </a:t>
+            </a:r>
+            <a:r>
+              <a:rPr lang="en-US" dirty="0" err="1" smtClean="0"/>
+              <a:t>với</a:t>
+            </a:r>
+            <a:r>
+              <a:rPr lang="en-US" dirty="0" smtClean="0"/>
+              <a:t> </a:t>
+            </a:r>
+            <a:r>
+              <a:rPr lang="en-US" dirty="0" err="1" smtClean="0"/>
+              <a:t>nhau</a:t>
+            </a:r>
+            <a:r>
+              <a:rPr lang="en-US" dirty="0" smtClean="0"/>
+              <a:t>, </a:t>
+            </a:r>
+            <a:r>
+              <a:rPr lang="en-US" dirty="0" err="1" smtClean="0"/>
+              <a:t>điểm</a:t>
+            </a:r>
+            <a:r>
+              <a:rPr lang="en-US" dirty="0" smtClean="0"/>
+              <a:t> </a:t>
+            </a:r>
+            <a:r>
+              <a:rPr lang="en-US" dirty="0" err="1" smtClean="0"/>
+              <a:t>chung</a:t>
+            </a:r>
+            <a:r>
+              <a:rPr lang="en-US" dirty="0" smtClean="0"/>
+              <a:t> </a:t>
+            </a:r>
+            <a:r>
+              <a:rPr lang="en-US" dirty="0" err="1" smtClean="0"/>
+              <a:t>duy</a:t>
+            </a:r>
+            <a:r>
+              <a:rPr lang="en-US" dirty="0" smtClean="0"/>
+              <a:t> </a:t>
+            </a:r>
+            <a:r>
+              <a:rPr lang="en-US" dirty="0" err="1" smtClean="0"/>
+              <a:t>nhất</a:t>
+            </a:r>
+            <a:r>
+              <a:rPr lang="en-US" dirty="0" smtClean="0"/>
+              <a:t> </a:t>
+            </a:r>
+            <a:r>
+              <a:rPr lang="en-US" dirty="0" err="1" smtClean="0"/>
+              <a:t>giữa</a:t>
+            </a:r>
+            <a:r>
+              <a:rPr lang="en-US" dirty="0" smtClean="0"/>
+              <a:t> </a:t>
+            </a:r>
+            <a:r>
+              <a:rPr lang="en-US" dirty="0" err="1" smtClean="0"/>
+              <a:t>chúng</a:t>
+            </a:r>
+            <a:r>
+              <a:rPr lang="en-US" dirty="0" smtClean="0"/>
+              <a:t> </a:t>
+            </a:r>
+            <a:r>
+              <a:rPr lang="en-US" dirty="0" err="1" smtClean="0"/>
+              <a:t>là</a:t>
+            </a:r>
+            <a:r>
+              <a:rPr lang="en-US" dirty="0" smtClean="0"/>
+              <a:t> request </a:t>
+            </a:r>
+            <a:r>
+              <a:rPr lang="en-US" dirty="0" err="1" smtClean="0"/>
+              <a:t>được</a:t>
+            </a:r>
+            <a:r>
+              <a:rPr lang="en-US" dirty="0" smtClean="0"/>
+              <a:t> </a:t>
+            </a:r>
+            <a:r>
+              <a:rPr lang="en-US" dirty="0" err="1" smtClean="0"/>
+              <a:t>truyền</a:t>
+            </a:r>
+            <a:r>
+              <a:rPr lang="en-US" dirty="0" smtClean="0"/>
+              <a:t> </a:t>
+            </a:r>
+            <a:r>
+              <a:rPr lang="en-US" dirty="0" err="1" smtClean="0"/>
+              <a:t>vào</a:t>
+            </a:r>
+            <a:r>
+              <a:rPr lang="en-US" dirty="0" smtClean="0"/>
+              <a:t> </a:t>
+            </a:r>
+            <a:r>
+              <a:rPr lang="en-US" dirty="0" err="1" smtClean="0"/>
+              <a:t>để</a:t>
+            </a:r>
+            <a:r>
+              <a:rPr lang="en-US" dirty="0" smtClean="0"/>
+              <a:t> </a:t>
+            </a:r>
+            <a:r>
+              <a:rPr lang="en-US" dirty="0" err="1" smtClean="0"/>
+              <a:t>xử</a:t>
+            </a:r>
+            <a:r>
+              <a:rPr lang="en-US" dirty="0" smtClean="0"/>
+              <a:t> </a:t>
+            </a:r>
+            <a:r>
+              <a:rPr lang="en-US" dirty="0" err="1" smtClean="0"/>
+              <a:t>lý</a:t>
+            </a:r>
+            <a:r>
+              <a:rPr lang="en-US" dirty="0" smtClean="0"/>
+              <a:t>.</a:t>
+            </a:r>
+          </a:p>
+          <a:p>
+            <a:r>
+              <a:rPr lang="en-US" dirty="0" smtClean="0"/>
+              <a:t>Request </a:t>
+            </a:r>
+            <a:r>
+              <a:rPr lang="en-US" dirty="0" err="1" smtClean="0"/>
+              <a:t>được</a:t>
+            </a:r>
+            <a:r>
+              <a:rPr lang="en-US" dirty="0" smtClean="0"/>
+              <a:t> </a:t>
+            </a:r>
+            <a:r>
+              <a:rPr lang="en-US" dirty="0" err="1" smtClean="0"/>
+              <a:t>truyền</a:t>
+            </a:r>
+            <a:r>
+              <a:rPr lang="en-US" dirty="0" smtClean="0"/>
+              <a:t> qua </a:t>
+            </a:r>
+            <a:r>
+              <a:rPr lang="en-US" dirty="0" err="1" smtClean="0"/>
+              <a:t>từng</a:t>
+            </a:r>
+            <a:r>
+              <a:rPr lang="en-US" dirty="0" smtClean="0"/>
+              <a:t> class </a:t>
+            </a:r>
+            <a:r>
+              <a:rPr lang="en-US" dirty="0" err="1" smtClean="0"/>
+              <a:t>cho</a:t>
+            </a:r>
+            <a:r>
+              <a:rPr lang="en-US" dirty="0" smtClean="0"/>
+              <a:t> </a:t>
+            </a:r>
+            <a:r>
+              <a:rPr lang="en-US" dirty="0" err="1" smtClean="0"/>
+              <a:t>đến</a:t>
+            </a:r>
+            <a:r>
+              <a:rPr lang="en-US" dirty="0" smtClean="0"/>
+              <a:t> </a:t>
+            </a:r>
+            <a:r>
+              <a:rPr lang="en-US" dirty="0" err="1" smtClean="0"/>
+              <a:t>khi</a:t>
+            </a:r>
+            <a:r>
+              <a:rPr lang="en-US" dirty="0" smtClean="0"/>
+              <a:t> </a:t>
+            </a:r>
+            <a:r>
+              <a:rPr lang="en-US" dirty="0" err="1" smtClean="0"/>
+              <a:t>có</a:t>
+            </a:r>
+            <a:r>
+              <a:rPr lang="en-US" dirty="0" smtClean="0"/>
+              <a:t> </a:t>
+            </a:r>
+            <a:r>
+              <a:rPr lang="en-US" dirty="0" err="1" smtClean="0"/>
+              <a:t>một</a:t>
+            </a:r>
+            <a:r>
+              <a:rPr lang="en-US" dirty="0" smtClean="0"/>
+              <a:t> class </a:t>
+            </a:r>
+            <a:r>
+              <a:rPr lang="en-US" dirty="0" err="1" smtClean="0"/>
+              <a:t>có</a:t>
+            </a:r>
+            <a:r>
+              <a:rPr lang="en-US" dirty="0" smtClean="0"/>
+              <a:t> </a:t>
+            </a:r>
+            <a:r>
+              <a:rPr lang="en-US" dirty="0" err="1" smtClean="0"/>
+              <a:t>thể</a:t>
+            </a:r>
+            <a:r>
+              <a:rPr lang="en-US" dirty="0" smtClean="0"/>
+              <a:t> </a:t>
+            </a:r>
+            <a:r>
+              <a:rPr lang="en-US" dirty="0" err="1" smtClean="0"/>
+              <a:t>xử</a:t>
+            </a:r>
+            <a:r>
+              <a:rPr lang="en-US" dirty="0" smtClean="0"/>
+              <a:t> </a:t>
+            </a:r>
+            <a:r>
+              <a:rPr lang="en-US" dirty="0" err="1" smtClean="0"/>
+              <a:t>lý</a:t>
+            </a:r>
+            <a:r>
+              <a:rPr lang="en-US" dirty="0" smtClean="0"/>
+              <a:t> </a:t>
+            </a:r>
+            <a:r>
+              <a:rPr lang="en-US" dirty="0" err="1" smtClean="0"/>
+              <a:t>được</a:t>
+            </a:r>
+            <a:r>
+              <a:rPr lang="en-US" dirty="0" smtClean="0"/>
+              <a:t> </a:t>
+            </a:r>
+            <a:r>
+              <a:rPr lang="en-US" dirty="0" err="1" smtClean="0"/>
+              <a:t>nó</a:t>
+            </a:r>
+            <a:r>
+              <a:rPr lang="en-US" dirty="0" smtClean="0"/>
+              <a:t>. </a:t>
+            </a:r>
+            <a:endParaRPr lang="en-US" dirty="0"/>
+          </a:p>
+          <a:p>
+            <a:pPr marL="0" lvl="0" indent="0">
+              <a:buNone/>
+            </a:pPr>
+            <a:endParaRPr lang="en-US" dirty="0" smtClean="0"/>
+          </a:p>
+          <a:p>
+            <a:endParaRPr lang="en-US" dirty="0"/>
           </a:p>
         </p:txBody>
       </p:sp>
     </p:spTree>
     <p:extLst>
       <p:ext uri="{BB962C8B-B14F-4D97-AF65-F5344CB8AC3E}">
-        <p14:creationId xmlns:p14="http://schemas.microsoft.com/office/powerpoint/2010/main" val="2266657416"/>
+        <p14:creationId xmlns:p14="http://schemas.microsoft.com/office/powerpoint/2010/main" val="2795534365"/>
       </p:ext>
     </p:extLst>
   </p:cSld>
@@ -6405,7 +7126,7 @@
           <a:p>
             <a:r>
               <a:rPr lang="en-US" b="1"/>
-              <a:t>Mục đích, ý định</a:t>
+              <a:t>Động lực sử dụng</a:t>
             </a:r>
           </a:p>
         </p:txBody>
@@ -6425,14 +7146,586 @@
           <a:bodyPr/>
           <a:lstStyle/>
           <a:p>
-            <a:endParaRPr lang="en-US"/>
+            <a:pPr lvl="0"/>
+            <a:r>
+              <a:rPr lang="en-US" dirty="0" err="1"/>
+              <a:t>Thay</a:t>
+            </a:r>
+            <a:r>
+              <a:rPr lang="en-US" dirty="0"/>
+              <a:t> </a:t>
+            </a:r>
+            <a:r>
+              <a:rPr lang="en-US" dirty="0" err="1"/>
+              <a:t>vì</a:t>
+            </a:r>
+            <a:r>
+              <a:rPr lang="en-US" dirty="0"/>
+              <a:t> </a:t>
+            </a:r>
+            <a:r>
+              <a:rPr lang="en-US" dirty="0" err="1" smtClean="0"/>
+              <a:t>để</a:t>
+            </a:r>
+            <a:r>
+              <a:rPr lang="en-US" dirty="0" smtClean="0"/>
+              <a:t> </a:t>
+            </a:r>
+            <a:r>
+              <a:rPr lang="en-US" dirty="0" err="1" smtClean="0"/>
+              <a:t>một</a:t>
+            </a:r>
+            <a:r>
+              <a:rPr lang="en-US" dirty="0" smtClean="0"/>
+              <a:t> </a:t>
+            </a:r>
+            <a:r>
+              <a:rPr lang="en-US" dirty="0" err="1" smtClean="0"/>
+              <a:t>lớp</a:t>
+            </a:r>
+            <a:r>
+              <a:rPr lang="en-US" dirty="0" smtClean="0"/>
+              <a:t> </a:t>
+            </a:r>
+            <a:r>
+              <a:rPr lang="en-US" dirty="0" err="1" smtClean="0"/>
+              <a:t>xử</a:t>
+            </a:r>
+            <a:r>
+              <a:rPr lang="en-US" dirty="0" smtClean="0"/>
+              <a:t> </a:t>
+            </a:r>
+            <a:r>
+              <a:rPr lang="en-US" dirty="0" err="1" smtClean="0"/>
+              <a:t>lý</a:t>
+            </a:r>
+            <a:r>
+              <a:rPr lang="en-US" dirty="0" smtClean="0"/>
+              <a:t> </a:t>
+            </a:r>
+            <a:r>
+              <a:rPr lang="en-US" dirty="0" err="1" smtClean="0"/>
+              <a:t>một</a:t>
+            </a:r>
+            <a:r>
+              <a:rPr lang="en-US" dirty="0" smtClean="0"/>
+              <a:t> request </a:t>
+            </a:r>
+            <a:r>
+              <a:rPr lang="en-US" dirty="0" err="1" smtClean="0"/>
+              <a:t>và</a:t>
+            </a:r>
+            <a:r>
+              <a:rPr lang="en-US" dirty="0" smtClean="0"/>
+              <a:t> </a:t>
+            </a:r>
+            <a:r>
+              <a:rPr lang="en-US" dirty="0" err="1" smtClean="0"/>
+              <a:t>phân</a:t>
+            </a:r>
+            <a:r>
+              <a:rPr lang="en-US" dirty="0" smtClean="0"/>
+              <a:t> </a:t>
+            </a:r>
+            <a:r>
+              <a:rPr lang="en-US" dirty="0" err="1" smtClean="0"/>
+              <a:t>tích</a:t>
+            </a:r>
+            <a:r>
+              <a:rPr lang="en-US" dirty="0" smtClean="0"/>
+              <a:t> </a:t>
+            </a:r>
+            <a:r>
+              <a:rPr lang="en-US" dirty="0" err="1" smtClean="0"/>
+              <a:t>tất</a:t>
+            </a:r>
+            <a:r>
+              <a:rPr lang="en-US" dirty="0" smtClean="0"/>
+              <a:t> </a:t>
+            </a:r>
+            <a:r>
+              <a:rPr lang="en-US" dirty="0" err="1" smtClean="0"/>
+              <a:t>cả</a:t>
+            </a:r>
+            <a:r>
+              <a:rPr lang="en-US" dirty="0" smtClean="0"/>
+              <a:t> </a:t>
+            </a:r>
+            <a:r>
+              <a:rPr lang="en-US" dirty="0" err="1" smtClean="0"/>
+              <a:t>các</a:t>
+            </a:r>
+            <a:r>
+              <a:rPr lang="en-US" dirty="0" smtClean="0"/>
+              <a:t> </a:t>
+            </a:r>
+            <a:r>
+              <a:rPr lang="en-US" dirty="0" err="1" smtClean="0"/>
+              <a:t>trường</a:t>
+            </a:r>
+            <a:r>
+              <a:rPr lang="en-US" dirty="0" smtClean="0"/>
+              <a:t> </a:t>
+            </a:r>
+            <a:r>
+              <a:rPr lang="en-US" dirty="0" err="1" smtClean="0"/>
+              <a:t>hợp</a:t>
+            </a:r>
+            <a:r>
+              <a:rPr lang="en-US" dirty="0" smtClean="0"/>
+              <a:t> </a:t>
+            </a:r>
+            <a:r>
+              <a:rPr lang="en-US" dirty="0" err="1" smtClean="0"/>
+              <a:t>có</a:t>
+            </a:r>
+            <a:r>
+              <a:rPr lang="en-US" dirty="0" smtClean="0"/>
+              <a:t> </a:t>
+            </a:r>
+            <a:r>
+              <a:rPr lang="en-US" dirty="0" err="1" smtClean="0"/>
+              <a:t>thế</a:t>
+            </a:r>
+            <a:r>
+              <a:rPr lang="en-US" dirty="0" smtClean="0"/>
+              <a:t> </a:t>
+            </a:r>
+            <a:r>
+              <a:rPr lang="en-US" dirty="0" err="1" smtClean="0"/>
+              <a:t>xảy</a:t>
+            </a:r>
+            <a:r>
+              <a:rPr lang="en-US" dirty="0" smtClean="0"/>
+              <a:t> </a:t>
+            </a:r>
+            <a:r>
+              <a:rPr lang="en-US" dirty="0" err="1" smtClean="0"/>
+              <a:t>ra</a:t>
+            </a:r>
+            <a:r>
+              <a:rPr lang="en-US" dirty="0" smtClean="0"/>
+              <a:t> </a:t>
+            </a:r>
+            <a:r>
+              <a:rPr lang="en-US" dirty="0" err="1" smtClean="0"/>
+              <a:t>với</a:t>
+            </a:r>
+            <a:r>
+              <a:rPr lang="en-US" dirty="0" smtClean="0"/>
+              <a:t> request </a:t>
+            </a:r>
+            <a:r>
+              <a:rPr lang="en-US" dirty="0" err="1" smtClean="0"/>
+              <a:t>đó</a:t>
+            </a:r>
+            <a:r>
+              <a:rPr lang="en-US" dirty="0" smtClean="0"/>
+              <a:t> </a:t>
+            </a:r>
+            <a:r>
+              <a:rPr lang="en-US" dirty="0" err="1" smtClean="0"/>
+              <a:t>thì</a:t>
+            </a:r>
+            <a:r>
+              <a:rPr lang="en-US" dirty="0" smtClean="0"/>
+              <a:t> ta </a:t>
+            </a:r>
+            <a:r>
+              <a:rPr lang="en-US" dirty="0" err="1" smtClean="0"/>
+              <a:t>có</a:t>
+            </a:r>
+            <a:r>
+              <a:rPr lang="en-US" dirty="0" smtClean="0"/>
+              <a:t> </a:t>
+            </a:r>
+            <a:r>
+              <a:rPr lang="en-US" dirty="0" err="1" smtClean="0"/>
+              <a:t>thể</a:t>
+            </a:r>
+            <a:r>
+              <a:rPr lang="en-US" dirty="0" smtClean="0"/>
+              <a:t> chia </a:t>
+            </a:r>
+            <a:r>
+              <a:rPr lang="en-US" dirty="0" err="1" smtClean="0"/>
+              <a:t>ra</a:t>
+            </a:r>
+            <a:r>
+              <a:rPr lang="en-US" dirty="0" smtClean="0"/>
+              <a:t> </a:t>
+            </a:r>
+            <a:r>
+              <a:rPr lang="en-US" dirty="0" err="1" smtClean="0"/>
+              <a:t>nhiều</a:t>
+            </a:r>
+            <a:r>
+              <a:rPr lang="en-US" dirty="0" smtClean="0"/>
+              <a:t> </a:t>
+            </a:r>
+            <a:r>
+              <a:rPr lang="en-US" dirty="0" err="1" smtClean="0"/>
+              <a:t>lớp</a:t>
+            </a:r>
+            <a:r>
+              <a:rPr lang="en-US" dirty="0" smtClean="0"/>
+              <a:t> </a:t>
+            </a:r>
+            <a:r>
+              <a:rPr lang="en-US" dirty="0" err="1" smtClean="0"/>
+              <a:t>để</a:t>
+            </a:r>
+            <a:r>
+              <a:rPr lang="en-US" dirty="0" smtClean="0"/>
+              <a:t> </a:t>
+            </a:r>
+            <a:r>
+              <a:rPr lang="en-US" dirty="0" err="1" smtClean="0"/>
+              <a:t>xử</a:t>
+            </a:r>
+            <a:r>
+              <a:rPr lang="en-US" dirty="0" smtClean="0"/>
+              <a:t> </a:t>
+            </a:r>
+            <a:r>
+              <a:rPr lang="en-US" dirty="0" err="1" smtClean="0"/>
+              <a:t>lý</a:t>
+            </a:r>
+            <a:r>
+              <a:rPr lang="en-US" dirty="0" smtClean="0"/>
+              <a:t> request </a:t>
+            </a:r>
+            <a:r>
+              <a:rPr lang="en-US" dirty="0" err="1" smtClean="0"/>
+              <a:t>đó</a:t>
+            </a:r>
+            <a:r>
+              <a:rPr lang="en-US" dirty="0" smtClean="0"/>
+              <a:t> </a:t>
+            </a:r>
+            <a:r>
+              <a:rPr lang="en-US" dirty="0" err="1" smtClean="0"/>
+              <a:t>cho</a:t>
+            </a:r>
+            <a:r>
+              <a:rPr lang="en-US" dirty="0" smtClean="0"/>
+              <a:t> </a:t>
+            </a:r>
+            <a:r>
+              <a:rPr lang="en-US" dirty="0" err="1" smtClean="0"/>
+              <a:t>đến</a:t>
+            </a:r>
+            <a:r>
+              <a:rPr lang="en-US" dirty="0" smtClean="0"/>
+              <a:t> </a:t>
+            </a:r>
+            <a:r>
+              <a:rPr lang="en-US" dirty="0" err="1" smtClean="0"/>
+              <a:t>khi</a:t>
+            </a:r>
+            <a:r>
+              <a:rPr lang="en-US" dirty="0" smtClean="0"/>
+              <a:t> </a:t>
+            </a:r>
+            <a:r>
+              <a:rPr lang="en-US" dirty="0" err="1" smtClean="0"/>
+              <a:t>tìm</a:t>
+            </a:r>
+            <a:r>
+              <a:rPr lang="en-US" dirty="0" smtClean="0"/>
+              <a:t> </a:t>
+            </a:r>
+            <a:r>
+              <a:rPr lang="en-US" dirty="0" err="1" smtClean="0"/>
+              <a:t>được</a:t>
+            </a:r>
+            <a:r>
+              <a:rPr lang="en-US" dirty="0" smtClean="0"/>
+              <a:t> </a:t>
+            </a:r>
+            <a:r>
+              <a:rPr lang="en-US" dirty="0" err="1" smtClean="0"/>
+              <a:t>kết</a:t>
+            </a:r>
+            <a:r>
+              <a:rPr lang="en-US" dirty="0" smtClean="0"/>
+              <a:t> </a:t>
+            </a:r>
+            <a:r>
+              <a:rPr lang="en-US" dirty="0" err="1" smtClean="0"/>
+              <a:t>quả</a:t>
+            </a:r>
+            <a:r>
+              <a:rPr lang="en-US" dirty="0" smtClean="0"/>
+              <a:t> </a:t>
+            </a:r>
+            <a:r>
+              <a:rPr lang="en-US" dirty="0" err="1" smtClean="0"/>
+              <a:t>phù</a:t>
+            </a:r>
+            <a:r>
+              <a:rPr lang="en-US" dirty="0" smtClean="0"/>
+              <a:t> </a:t>
+            </a:r>
+            <a:r>
+              <a:rPr lang="en-US" dirty="0" err="1" smtClean="0"/>
+              <a:t>hợp</a:t>
+            </a:r>
+            <a:r>
+              <a:rPr lang="en-US" dirty="0" smtClean="0"/>
+              <a:t>.</a:t>
+            </a:r>
+          </a:p>
+          <a:p>
+            <a:pPr lvl="0" fontAlgn="base"/>
+            <a:r>
+              <a:rPr lang="en-US" dirty="0" err="1" smtClean="0"/>
+              <a:t>Nó</a:t>
+            </a:r>
+            <a:r>
+              <a:rPr lang="en-US" dirty="0" smtClean="0"/>
+              <a:t> </a:t>
+            </a:r>
+            <a:r>
+              <a:rPr lang="en-US" dirty="0" err="1" smtClean="0"/>
+              <a:t>cũng</a:t>
+            </a:r>
+            <a:r>
+              <a:rPr lang="en-US" dirty="0" smtClean="0"/>
+              <a:t> </a:t>
+            </a:r>
+            <a:r>
+              <a:rPr lang="en-US" dirty="0" err="1" smtClean="0"/>
+              <a:t>làm</a:t>
+            </a:r>
+            <a:r>
+              <a:rPr lang="en-US" dirty="0" smtClean="0"/>
+              <a:t> </a:t>
+            </a:r>
+            <a:r>
+              <a:rPr lang="en-US" dirty="0" err="1" smtClean="0"/>
+              <a:t>giảm</a:t>
+            </a:r>
+            <a:r>
+              <a:rPr lang="en-US" dirty="0" smtClean="0"/>
+              <a:t> </a:t>
+            </a:r>
+            <a:r>
+              <a:rPr lang="en-US" dirty="0" err="1" smtClean="0"/>
+              <a:t>bớt</a:t>
+            </a:r>
+            <a:r>
+              <a:rPr lang="en-US" dirty="0" smtClean="0"/>
+              <a:t> </a:t>
+            </a:r>
+            <a:r>
+              <a:rPr lang="en-US" dirty="0" err="1" smtClean="0"/>
+              <a:t>trách</a:t>
+            </a:r>
+            <a:r>
+              <a:rPr lang="en-US" dirty="0" smtClean="0"/>
+              <a:t> </a:t>
+            </a:r>
+            <a:r>
+              <a:rPr lang="en-US" dirty="0" err="1" smtClean="0"/>
+              <a:t>nhiệm</a:t>
+            </a:r>
+            <a:r>
+              <a:rPr lang="en-US" dirty="0" smtClean="0"/>
+              <a:t> </a:t>
+            </a:r>
+            <a:r>
+              <a:rPr lang="en-US" dirty="0" err="1" smtClean="0"/>
+              <a:t>cho</a:t>
+            </a:r>
+            <a:r>
+              <a:rPr lang="en-US" dirty="0" smtClean="0"/>
+              <a:t> </a:t>
+            </a:r>
+            <a:r>
+              <a:rPr lang="en-US" dirty="0" err="1" smtClean="0"/>
+              <a:t>một</a:t>
+            </a:r>
+            <a:r>
+              <a:rPr lang="en-US" dirty="0" smtClean="0"/>
+              <a:t> </a:t>
+            </a:r>
+            <a:r>
+              <a:rPr lang="en-US" dirty="0" err="1" smtClean="0"/>
+              <a:t>lớp</a:t>
+            </a:r>
+            <a:r>
+              <a:rPr lang="en-US" dirty="0" smtClean="0"/>
+              <a:t> </a:t>
+            </a:r>
+            <a:r>
+              <a:rPr lang="en-US" dirty="0" err="1" smtClean="0"/>
+              <a:t>để</a:t>
+            </a:r>
+            <a:r>
+              <a:rPr lang="en-US" dirty="0" smtClean="0"/>
+              <a:t> </a:t>
+            </a:r>
+            <a:r>
+              <a:rPr lang="en-US" dirty="0" err="1" smtClean="0"/>
+              <a:t>việc</a:t>
+            </a:r>
+            <a:r>
+              <a:rPr lang="en-US" dirty="0" smtClean="0"/>
+              <a:t> </a:t>
+            </a:r>
+            <a:r>
+              <a:rPr lang="en-US" dirty="0" err="1" smtClean="0"/>
+              <a:t>đọc</a:t>
+            </a:r>
+            <a:r>
+              <a:rPr lang="en-US" dirty="0" smtClean="0"/>
+              <a:t> code </a:t>
+            </a:r>
+            <a:r>
+              <a:rPr lang="en-US" dirty="0" err="1" smtClean="0"/>
+              <a:t>được</a:t>
+            </a:r>
+            <a:r>
+              <a:rPr lang="en-US" dirty="0" smtClean="0"/>
+              <a:t> </a:t>
+            </a:r>
+            <a:r>
+              <a:rPr lang="en-US" dirty="0" err="1" smtClean="0"/>
+              <a:t>dễ</a:t>
+            </a:r>
+            <a:r>
+              <a:rPr lang="en-US" dirty="0" smtClean="0"/>
+              <a:t> </a:t>
+            </a:r>
+            <a:r>
+              <a:rPr lang="en-US" dirty="0" err="1" smtClean="0"/>
+              <a:t>dàng</a:t>
+            </a:r>
+            <a:r>
+              <a:rPr lang="en-US" dirty="0" smtClean="0"/>
+              <a:t> </a:t>
+            </a:r>
+            <a:r>
+              <a:rPr lang="en-US" dirty="0" err="1" smtClean="0"/>
+              <a:t>hơn</a:t>
+            </a:r>
+            <a:r>
+              <a:rPr lang="en-US" dirty="0" smtClean="0"/>
+              <a:t> </a:t>
+            </a:r>
+            <a:r>
+              <a:rPr lang="en-US" dirty="0" err="1" smtClean="0"/>
+              <a:t>và</a:t>
+            </a:r>
+            <a:r>
+              <a:rPr lang="en-US" dirty="0" smtClean="0"/>
+              <a:t> </a:t>
+            </a:r>
+            <a:r>
+              <a:rPr lang="en-US" dirty="0" err="1" smtClean="0"/>
+              <a:t>phù</a:t>
+            </a:r>
+            <a:r>
+              <a:rPr lang="en-US" dirty="0" smtClean="0"/>
+              <a:t> </a:t>
+            </a:r>
+            <a:r>
+              <a:rPr lang="en-US" dirty="0" err="1" smtClean="0"/>
+              <a:t>hợp</a:t>
+            </a:r>
+            <a:r>
+              <a:rPr lang="en-US" dirty="0" smtClean="0"/>
+              <a:t> </a:t>
+            </a:r>
+            <a:r>
+              <a:rPr lang="en-US" dirty="0" err="1" smtClean="0"/>
+              <a:t>với</a:t>
+            </a:r>
+            <a:r>
+              <a:rPr lang="en-US" dirty="0" smtClean="0"/>
+              <a:t> </a:t>
+            </a:r>
+            <a:r>
+              <a:rPr lang="en-US" dirty="0" err="1" smtClean="0"/>
+              <a:t>nguyên</a:t>
+            </a:r>
+            <a:r>
+              <a:rPr lang="en-US" dirty="0"/>
+              <a:t> </a:t>
+            </a:r>
+            <a:r>
+              <a:rPr lang="en-US" dirty="0" err="1" smtClean="0"/>
+              <a:t>lý</a:t>
+            </a:r>
+            <a:r>
+              <a:rPr lang="en-US" dirty="0" smtClean="0"/>
+              <a:t> S(Single </a:t>
+            </a:r>
+            <a:r>
+              <a:rPr lang="en-US" dirty="0" err="1" smtClean="0"/>
+              <a:t>Responibility</a:t>
+            </a:r>
+            <a:r>
+              <a:rPr lang="en-US" dirty="0" smtClean="0"/>
+              <a:t>) </a:t>
+            </a:r>
+            <a:r>
+              <a:rPr lang="en-US" dirty="0" err="1" smtClean="0"/>
+              <a:t>và</a:t>
+            </a:r>
+            <a:r>
+              <a:rPr lang="en-US" dirty="0" smtClean="0"/>
+              <a:t> O(Open/Close) </a:t>
+            </a:r>
+            <a:r>
+              <a:rPr lang="en-US" dirty="0" err="1" smtClean="0"/>
+              <a:t>trong</a:t>
+            </a:r>
+            <a:r>
+              <a:rPr lang="en-US" dirty="0" smtClean="0"/>
+              <a:t> 5 </a:t>
+            </a:r>
+            <a:r>
+              <a:rPr lang="en-US" dirty="0" err="1" smtClean="0"/>
+              <a:t>nguyên</a:t>
+            </a:r>
+            <a:r>
+              <a:rPr lang="en-US" dirty="0" smtClean="0"/>
+              <a:t> </a:t>
+            </a:r>
+            <a:r>
+              <a:rPr lang="en-US" dirty="0" err="1" smtClean="0"/>
+              <a:t>lý</a:t>
+            </a:r>
+            <a:r>
+              <a:rPr lang="en-US" dirty="0" smtClean="0"/>
+              <a:t> </a:t>
+            </a:r>
+            <a:r>
+              <a:rPr lang="en-US" dirty="0" err="1" smtClean="0"/>
+              <a:t>lập</a:t>
+            </a:r>
+            <a:r>
+              <a:rPr lang="en-US" dirty="0" smtClean="0"/>
+              <a:t> </a:t>
+            </a:r>
+            <a:r>
+              <a:rPr lang="en-US" dirty="0" err="1" smtClean="0"/>
+              <a:t>trình</a:t>
+            </a:r>
+            <a:r>
+              <a:rPr lang="en-US" dirty="0" smtClean="0"/>
+              <a:t> SOLID.</a:t>
+            </a:r>
+            <a:endParaRPr lang="en-US" dirty="0"/>
           </a:p>
         </p:txBody>
       </p:sp>
     </p:spTree>
     <p:extLst>
       <p:ext uri="{BB962C8B-B14F-4D97-AF65-F5344CB8AC3E}">
-        <p14:creationId xmlns:p14="http://schemas.microsoft.com/office/powerpoint/2010/main" val="2795534365"/>
+        <p14:creationId xmlns:p14="http://schemas.microsoft.com/office/powerpoint/2010/main" val="3254169398"/>
       </p:ext>
     </p:extLst>
   </p:cSld>
@@ -6476,7 +7769,7 @@
           <a:p>
             <a:r>
               <a:rPr lang="en-US" b="1"/>
-              <a:t>Khi nào sử dụng</a:t>
+              <a:t>Khi nào ứng dụng</a:t>
             </a:r>
           </a:p>
         </p:txBody>
@@ -6493,24 +7786,474 @@
         </p:nvSpPr>
         <p:spPr/>
         <p:txBody>
-          <a:bodyPr/>
+          <a:bodyPr>
+            <a:normAutofit/>
+          </a:bodyPr>
           <a:lstStyle/>
           <a:p>
-            <a:pPr lvl="0" fontAlgn="base"/>
-            <a:endParaRPr lang="en-US"/>
+            <a:pPr lvl="0"/>
+            <a:r>
+              <a:rPr lang="en-US" dirty="0" err="1" smtClean="0"/>
+              <a:t>Khi</a:t>
+            </a:r>
+            <a:r>
+              <a:rPr lang="en-US" dirty="0" smtClean="0"/>
+              <a:t> </a:t>
+            </a:r>
+            <a:r>
+              <a:rPr lang="en-US" dirty="0" err="1" smtClean="0"/>
+              <a:t>một</a:t>
+            </a:r>
+            <a:r>
+              <a:rPr lang="en-US" dirty="0" smtClean="0"/>
+              <a:t> object </a:t>
+            </a:r>
+            <a:r>
+              <a:rPr lang="en-US" dirty="0" err="1" smtClean="0"/>
+              <a:t>trong</a:t>
+            </a:r>
+            <a:r>
+              <a:rPr lang="en-US" dirty="0" smtClean="0"/>
+              <a:t> </a:t>
+            </a:r>
+            <a:r>
+              <a:rPr lang="en-US" dirty="0" err="1" smtClean="0"/>
+              <a:t>một</a:t>
+            </a:r>
+            <a:r>
+              <a:rPr lang="en-US" dirty="0" smtClean="0"/>
+              <a:t> list object </a:t>
+            </a:r>
+            <a:r>
+              <a:rPr lang="en-US" dirty="0" err="1" smtClean="0"/>
+              <a:t>có</a:t>
+            </a:r>
+            <a:r>
+              <a:rPr lang="en-US" dirty="0" smtClean="0"/>
+              <a:t> </a:t>
+            </a:r>
+            <a:r>
+              <a:rPr lang="en-US" dirty="0" err="1" smtClean="0"/>
+              <a:t>thể</a:t>
+            </a:r>
+            <a:r>
+              <a:rPr lang="en-US" dirty="0" smtClean="0"/>
+              <a:t> </a:t>
+            </a:r>
+            <a:r>
+              <a:rPr lang="en-US" dirty="0" err="1" smtClean="0"/>
+              <a:t>là</a:t>
+            </a:r>
+            <a:r>
+              <a:rPr lang="en-US" dirty="0" smtClean="0"/>
+              <a:t> </a:t>
+            </a:r>
+            <a:r>
+              <a:rPr lang="en-US" dirty="0" err="1" smtClean="0"/>
+              <a:t>trường</a:t>
+            </a:r>
+            <a:r>
+              <a:rPr lang="en-US" dirty="0" smtClean="0"/>
+              <a:t> </a:t>
+            </a:r>
+            <a:r>
+              <a:rPr lang="en-US" dirty="0" err="1" smtClean="0"/>
+              <a:t>hợp</a:t>
+            </a:r>
+            <a:r>
+              <a:rPr lang="en-US" dirty="0" smtClean="0"/>
+              <a:t> </a:t>
+            </a:r>
+            <a:r>
+              <a:rPr lang="en-US" dirty="0" err="1" smtClean="0"/>
+              <a:t>đúng</a:t>
+            </a:r>
+            <a:r>
+              <a:rPr lang="en-US" dirty="0" smtClean="0"/>
+              <a:t> </a:t>
+            </a:r>
+            <a:r>
+              <a:rPr lang="en-US" dirty="0" err="1" smtClean="0"/>
+              <a:t>cho</a:t>
+            </a:r>
+            <a:r>
+              <a:rPr lang="en-US" dirty="0" smtClean="0"/>
+              <a:t> request </a:t>
+            </a:r>
+            <a:r>
+              <a:rPr lang="en-US" dirty="0" err="1" smtClean="0"/>
+              <a:t>truyền</a:t>
+            </a:r>
+            <a:r>
+              <a:rPr lang="en-US" dirty="0" smtClean="0"/>
+              <a:t> </a:t>
+            </a:r>
+            <a:r>
+              <a:rPr lang="en-US" dirty="0" err="1" smtClean="0"/>
+              <a:t>vào</a:t>
+            </a:r>
+            <a:r>
+              <a:rPr lang="en-US" dirty="0" smtClean="0"/>
+              <a:t> </a:t>
+            </a:r>
+            <a:r>
+              <a:rPr lang="en-US" dirty="0" err="1" smtClean="0"/>
+              <a:t>nhưng</a:t>
+            </a:r>
+            <a:r>
+              <a:rPr lang="en-US" dirty="0" smtClean="0"/>
+              <a:t> </a:t>
+            </a:r>
+            <a:r>
+              <a:rPr lang="en-US" dirty="0" err="1" smtClean="0"/>
+              <a:t>chúng</a:t>
+            </a:r>
+            <a:r>
+              <a:rPr lang="en-US" dirty="0" smtClean="0"/>
+              <a:t> ta </a:t>
+            </a:r>
+            <a:r>
+              <a:rPr lang="en-US" dirty="0" err="1" smtClean="0"/>
+              <a:t>không</a:t>
+            </a:r>
+            <a:r>
+              <a:rPr lang="en-US" dirty="0" smtClean="0"/>
+              <a:t> </a:t>
+            </a:r>
+            <a:r>
+              <a:rPr lang="en-US" dirty="0" err="1" smtClean="0"/>
+              <a:t>muốn</a:t>
+            </a:r>
+            <a:r>
+              <a:rPr lang="en-US" dirty="0" smtClean="0"/>
+              <a:t> </a:t>
+            </a:r>
+            <a:r>
+              <a:rPr lang="en-US" dirty="0" err="1" smtClean="0"/>
+              <a:t>phải</a:t>
+            </a:r>
+            <a:r>
+              <a:rPr lang="en-US" dirty="0" smtClean="0"/>
+              <a:t> </a:t>
+            </a:r>
+            <a:r>
+              <a:rPr lang="en-US" dirty="0" err="1"/>
+              <a:t>s</a:t>
+            </a:r>
+            <a:r>
+              <a:rPr lang="en-US" dirty="0" err="1" smtClean="0"/>
+              <a:t>ử</a:t>
+            </a:r>
+            <a:r>
+              <a:rPr lang="en-US" dirty="0" smtClean="0"/>
+              <a:t> </a:t>
+            </a:r>
+            <a:r>
+              <a:rPr lang="en-US" dirty="0" err="1" smtClean="0"/>
+              <a:t>dụng</a:t>
+            </a:r>
+            <a:r>
+              <a:rPr lang="en-US" dirty="0" smtClean="0"/>
+              <a:t> </a:t>
+            </a:r>
+            <a:r>
+              <a:rPr lang="en-US" dirty="0" err="1" smtClean="0"/>
+              <a:t>hàng</a:t>
+            </a:r>
+            <a:r>
+              <a:rPr lang="en-US" dirty="0" smtClean="0"/>
+              <a:t> </a:t>
+            </a:r>
+            <a:r>
+              <a:rPr lang="en-US" dirty="0" err="1" smtClean="0"/>
+              <a:t>tá</a:t>
+            </a:r>
+            <a:r>
+              <a:rPr lang="en-US" dirty="0" smtClean="0"/>
+              <a:t> </a:t>
+            </a:r>
+            <a:r>
+              <a:rPr lang="en-US" dirty="0" err="1" smtClean="0"/>
+              <a:t>câu</a:t>
+            </a:r>
+            <a:r>
+              <a:rPr lang="en-US" dirty="0" smtClean="0"/>
+              <a:t> </a:t>
+            </a:r>
+            <a:r>
+              <a:rPr lang="en-US" dirty="0" err="1" smtClean="0"/>
+              <a:t>lệnh</a:t>
+            </a:r>
+            <a:r>
+              <a:rPr lang="en-US" dirty="0" smtClean="0"/>
+              <a:t> if else </a:t>
+            </a:r>
+            <a:r>
+              <a:rPr lang="en-US" dirty="0" err="1" smtClean="0"/>
+              <a:t>hoặc</a:t>
+            </a:r>
+            <a:r>
+              <a:rPr lang="en-US" dirty="0" smtClean="0"/>
+              <a:t> switch </a:t>
+            </a:r>
+            <a:r>
+              <a:rPr lang="en-US" dirty="0" err="1" smtClean="0"/>
+              <a:t>để</a:t>
+            </a:r>
+            <a:r>
+              <a:rPr lang="en-US" dirty="0" smtClean="0"/>
+              <a:t> </a:t>
+            </a:r>
+            <a:r>
+              <a:rPr lang="en-US" dirty="0" err="1" smtClean="0"/>
+              <a:t>tìm</a:t>
+            </a:r>
+            <a:r>
+              <a:rPr lang="en-US" dirty="0" smtClean="0"/>
+              <a:t> </a:t>
+            </a:r>
+            <a:r>
+              <a:rPr lang="en-US" dirty="0" err="1" smtClean="0"/>
+              <a:t>ra</a:t>
+            </a:r>
+            <a:r>
+              <a:rPr lang="en-US" dirty="0" smtClean="0"/>
+              <a:t> </a:t>
+            </a:r>
+            <a:r>
+              <a:rPr lang="en-US" dirty="0" err="1" smtClean="0"/>
+              <a:t>đối</a:t>
+            </a:r>
+            <a:r>
+              <a:rPr lang="en-US" dirty="0" smtClean="0"/>
+              <a:t> </a:t>
+            </a:r>
+            <a:r>
+              <a:rPr lang="en-US" dirty="0" err="1" smtClean="0"/>
+              <a:t>tượng</a:t>
+            </a:r>
+            <a:r>
+              <a:rPr lang="en-US" dirty="0" smtClean="0"/>
+              <a:t> </a:t>
+            </a:r>
+            <a:r>
+              <a:rPr lang="en-US" dirty="0" err="1" smtClean="0"/>
+              <a:t>phù</a:t>
+            </a:r>
+            <a:r>
+              <a:rPr lang="en-US" dirty="0" smtClean="0"/>
+              <a:t> </a:t>
+            </a:r>
+            <a:r>
+              <a:rPr lang="en-US" dirty="0" err="1" smtClean="0"/>
+              <a:t>hợp</a:t>
+            </a:r>
+            <a:r>
+              <a:rPr lang="en-US" dirty="0" smtClean="0"/>
+              <a:t> </a:t>
+            </a:r>
+            <a:r>
+              <a:rPr lang="en-US" dirty="0" err="1" smtClean="0"/>
+              <a:t>cho</a:t>
+            </a:r>
+            <a:r>
+              <a:rPr lang="en-US" dirty="0" smtClean="0"/>
+              <a:t> request </a:t>
+            </a:r>
+            <a:r>
+              <a:rPr lang="en-US" dirty="0" err="1" smtClean="0"/>
+              <a:t>đó</a:t>
+            </a:r>
+            <a:r>
+              <a:rPr lang="en-US" dirty="0" smtClean="0"/>
+              <a:t>. (</a:t>
+            </a:r>
+            <a:r>
+              <a:rPr lang="en-US" dirty="0" err="1" smtClean="0"/>
+              <a:t>Nguyên</a:t>
+            </a:r>
+            <a:r>
+              <a:rPr lang="en-US" dirty="0" smtClean="0"/>
+              <a:t> </a:t>
+            </a:r>
+            <a:r>
+              <a:rPr lang="en-US" dirty="0" err="1" smtClean="0"/>
+              <a:t>lý</a:t>
+            </a:r>
+            <a:r>
+              <a:rPr lang="en-US" dirty="0" smtClean="0"/>
+              <a:t> Single Responsibility)</a:t>
+            </a:r>
+          </a:p>
+          <a:p>
+            <a:pPr lvl="0"/>
+            <a:endParaRPr lang="en-US" dirty="0"/>
+          </a:p>
+          <a:p>
+            <a:pPr lvl="0"/>
+            <a:r>
+              <a:rPr lang="en-US" dirty="0" err="1" smtClean="0"/>
+              <a:t>Khi</a:t>
+            </a:r>
+            <a:r>
+              <a:rPr lang="en-US" dirty="0" smtClean="0"/>
+              <a:t> </a:t>
+            </a:r>
+            <a:r>
+              <a:rPr lang="en-US" dirty="0" err="1" smtClean="0"/>
+              <a:t>chúng</a:t>
+            </a:r>
+            <a:r>
+              <a:rPr lang="en-US" dirty="0" smtClean="0"/>
+              <a:t> ta </a:t>
+            </a:r>
+            <a:r>
+              <a:rPr lang="en-US" dirty="0" err="1" smtClean="0"/>
+              <a:t>muốn</a:t>
+            </a:r>
+            <a:r>
+              <a:rPr lang="en-US" dirty="0" smtClean="0"/>
+              <a:t> </a:t>
+            </a:r>
+            <a:r>
+              <a:rPr lang="en-US" dirty="0" err="1" smtClean="0"/>
+              <a:t>thêm</a:t>
+            </a:r>
+            <a:r>
+              <a:rPr lang="en-US" dirty="0" smtClean="0"/>
+              <a:t> </a:t>
+            </a:r>
+            <a:r>
+              <a:rPr lang="en-US" dirty="0" err="1" smtClean="0"/>
+              <a:t>một</a:t>
+            </a:r>
+            <a:r>
+              <a:rPr lang="en-US" dirty="0" smtClean="0"/>
+              <a:t> </a:t>
+            </a:r>
+            <a:r>
+              <a:rPr lang="en-US" dirty="0" err="1" smtClean="0"/>
+              <a:t>đối</a:t>
+            </a:r>
+            <a:r>
+              <a:rPr lang="en-US" dirty="0" smtClean="0"/>
+              <a:t> </a:t>
+            </a:r>
+            <a:r>
+              <a:rPr lang="en-US" dirty="0" err="1" smtClean="0"/>
+              <a:t>tượng</a:t>
+            </a:r>
+            <a:r>
+              <a:rPr lang="en-US" dirty="0" smtClean="0"/>
+              <a:t> </a:t>
+            </a:r>
+            <a:r>
+              <a:rPr lang="en-US" dirty="0" err="1" smtClean="0"/>
+              <a:t>vào</a:t>
+            </a:r>
+            <a:r>
+              <a:rPr lang="en-US" dirty="0" smtClean="0"/>
+              <a:t> list </a:t>
+            </a:r>
+            <a:r>
+              <a:rPr lang="en-US" dirty="0" err="1" smtClean="0"/>
+              <a:t>đối</a:t>
+            </a:r>
+            <a:r>
+              <a:rPr lang="en-US" dirty="0" smtClean="0"/>
+              <a:t> </a:t>
+            </a:r>
+            <a:r>
+              <a:rPr lang="en-US" dirty="0" err="1" smtClean="0"/>
+              <a:t>tượng</a:t>
+            </a:r>
+            <a:r>
+              <a:rPr lang="en-US" dirty="0" smtClean="0"/>
+              <a:t> </a:t>
+            </a:r>
+            <a:r>
+              <a:rPr lang="en-US" dirty="0" err="1" smtClean="0"/>
+              <a:t>cho</a:t>
+            </a:r>
+            <a:r>
+              <a:rPr lang="en-US" dirty="0" smtClean="0"/>
+              <a:t> </a:t>
+            </a:r>
+            <a:r>
+              <a:rPr lang="en-US" dirty="0" err="1" smtClean="0"/>
+              <a:t>các</a:t>
+            </a:r>
+            <a:r>
+              <a:rPr lang="en-US" dirty="0" smtClean="0"/>
+              <a:t> </a:t>
+            </a:r>
+            <a:r>
+              <a:rPr lang="en-US" dirty="0" err="1" smtClean="0"/>
+              <a:t>trường</a:t>
+            </a:r>
+            <a:r>
+              <a:rPr lang="en-US" dirty="0" smtClean="0"/>
+              <a:t> </a:t>
+            </a:r>
+            <a:r>
+              <a:rPr lang="en-US" dirty="0" err="1" smtClean="0"/>
+              <a:t>hợp</a:t>
+            </a:r>
+            <a:r>
+              <a:rPr lang="en-US" dirty="0" smtClean="0"/>
+              <a:t> </a:t>
+            </a:r>
+            <a:r>
+              <a:rPr lang="en-US" dirty="0" err="1" smtClean="0"/>
+              <a:t>của</a:t>
+            </a:r>
+            <a:r>
+              <a:rPr lang="en-US" dirty="0" smtClean="0"/>
+              <a:t> request. (</a:t>
+            </a:r>
+            <a:r>
+              <a:rPr lang="en-US" dirty="0" err="1" smtClean="0"/>
+              <a:t>Nguyên</a:t>
+            </a:r>
+            <a:r>
+              <a:rPr lang="en-US" dirty="0" smtClean="0"/>
+              <a:t> </a:t>
+            </a:r>
+            <a:r>
+              <a:rPr lang="en-US" dirty="0" err="1" smtClean="0"/>
+              <a:t>lý</a:t>
+            </a:r>
+            <a:r>
+              <a:rPr lang="en-US" dirty="0" smtClean="0"/>
+              <a:t> Open/Close)</a:t>
+            </a:r>
+            <a:endParaRPr lang="en-US" dirty="0"/>
+          </a:p>
+          <a:p>
+            <a:pPr marL="0" indent="0">
+              <a:buNone/>
+            </a:pPr>
+            <a:endParaRPr lang="en-US" dirty="0"/>
           </a:p>
         </p:txBody>
       </p:sp>
     </p:spTree>
     <p:extLst>
       <p:ext uri="{BB962C8B-B14F-4D97-AF65-F5344CB8AC3E}">
-        <p14:creationId xmlns:p14="http://schemas.microsoft.com/office/powerpoint/2010/main" val="3254169398"/>
+        <p14:creationId xmlns:p14="http://schemas.microsoft.com/office/powerpoint/2010/main" val="3202979120"/>
       </p:ext>
     </p:extLst>
   </p:cSld>
   <p:clrMapOvr>
     <a:masterClrMapping/>
   </p:clrMapOvr>
+  <p:timing>
+    <p:tnLst>
+      <p:par>
+        <p:cTn id="1" dur="indefinite" restart="never" nodeType="tmRoot"/>
+      </p:par>
+    </p:tnLst>
+  </p:timing>
 </p:sld>
 </file>
 
@@ -6548,43 +8291,925 @@
           <a:p>
             <a:r>
               <a:rPr lang="en-US" b="1"/>
-              <a:t>Khả năng ứng dụng</a:t>
-            </a:r>
-          </a:p>
-        </p:txBody>
-      </p:sp>
-      <p:sp>
-        <p:nvSpPr>
-          <p:cNvPr id="3" name="Content Placeholder 2"/>
-          <p:cNvSpPr>
-            <a:spLocks noGrp="1"/>
-          </p:cNvSpPr>
-          <p:nvPr>
-            <p:ph idx="1"/>
-          </p:nvPr>
-        </p:nvSpPr>
-        <p:spPr/>
+              <a:t>Cấu trúc - Thành phần</a:t>
+            </a:r>
+          </a:p>
+        </p:txBody>
+      </p:sp>
+      <p:sp>
+        <p:nvSpPr>
+          <p:cNvPr id="4" name="Content Placeholder 3"/>
+          <p:cNvSpPr>
+            <a:spLocks noGrp="1"/>
+          </p:cNvSpPr>
+          <p:nvPr>
+            <p:ph sz="half" idx="2"/>
+          </p:nvPr>
+        </p:nvSpPr>
+        <p:spPr>
+          <a:xfrm>
+            <a:off x="5089970" y="1379621"/>
+            <a:ext cx="5225104" cy="4828674"/>
+          </a:xfrm>
+        </p:spPr>
         <p:txBody>
           <a:bodyPr>
             <a:normAutofit/>
           </a:bodyPr>
           <a:lstStyle/>
           <a:p>
+            <a:pPr lvl="0"/>
+            <a:r>
+              <a:rPr lang="en-US" b="1" dirty="0" smtClean="0"/>
+              <a:t>Handler</a:t>
+            </a:r>
+            <a:r>
+              <a:rPr lang="en-US" b="1" dirty="0" smtClean="0"/>
+              <a:t>:</a:t>
+            </a:r>
+            <a:endParaRPr lang="en-US" sz="1600" dirty="0"/>
+          </a:p>
+          <a:p>
             <a:pPr lvl="1"/>
+            <a:r>
+              <a:rPr lang="en-US" dirty="0" err="1" smtClean="0"/>
+              <a:t>Định</a:t>
+            </a:r>
+            <a:r>
+              <a:rPr lang="en-US" dirty="0" smtClean="0"/>
+              <a:t> </a:t>
+            </a:r>
+            <a:r>
+              <a:rPr lang="en-US" dirty="0" err="1" smtClean="0"/>
+              <a:t>nghĩa</a:t>
+            </a:r>
+            <a:r>
+              <a:rPr lang="en-US" dirty="0" smtClean="0"/>
+              <a:t> </a:t>
+            </a:r>
+            <a:r>
+              <a:rPr lang="en-US" dirty="0" err="1" smtClean="0"/>
+              <a:t>một</a:t>
+            </a:r>
+            <a:r>
+              <a:rPr lang="en-US" dirty="0" smtClean="0"/>
+              <a:t> Interface </a:t>
+            </a:r>
+            <a:r>
+              <a:rPr lang="en-US" dirty="0" err="1" smtClean="0"/>
+              <a:t>để</a:t>
+            </a:r>
+            <a:r>
+              <a:rPr lang="en-US" dirty="0" smtClean="0"/>
+              <a:t> </a:t>
+            </a:r>
+            <a:r>
+              <a:rPr lang="en-US" dirty="0" err="1" smtClean="0"/>
+              <a:t>xử</a:t>
+            </a:r>
+            <a:r>
+              <a:rPr lang="en-US" dirty="0" smtClean="0"/>
+              <a:t> </a:t>
+            </a:r>
+            <a:r>
+              <a:rPr lang="en-US" dirty="0" err="1" smtClean="0"/>
+              <a:t>lý</a:t>
+            </a:r>
+            <a:r>
+              <a:rPr lang="en-US" dirty="0" smtClean="0"/>
+              <a:t> request.</a:t>
+            </a:r>
+          </a:p>
+          <a:p>
+            <a:pPr lvl="1"/>
+            <a:r>
+              <a:rPr lang="en-US" sz="1400" dirty="0" smtClean="0"/>
+              <a:t>(</a:t>
+            </a:r>
+            <a:r>
+              <a:rPr lang="en-US" sz="1400" dirty="0" err="1" smtClean="0"/>
+              <a:t>Tùy</a:t>
+            </a:r>
+            <a:r>
+              <a:rPr lang="en-US" sz="1400" dirty="0" smtClean="0"/>
+              <a:t> </a:t>
+            </a:r>
+            <a:r>
+              <a:rPr lang="en-US" sz="1400" dirty="0" err="1" smtClean="0"/>
+              <a:t>chọn</a:t>
+            </a:r>
+            <a:r>
+              <a:rPr lang="en-US" sz="1400" dirty="0" smtClean="0"/>
+              <a:t>) </a:t>
+            </a:r>
+            <a:r>
+              <a:rPr lang="en-US" sz="1400" dirty="0" err="1" smtClean="0"/>
+              <a:t>thực</a:t>
+            </a:r>
+            <a:r>
+              <a:rPr lang="en-US" sz="1400" dirty="0" smtClean="0"/>
+              <a:t> </a:t>
+            </a:r>
+            <a:r>
+              <a:rPr lang="en-US" sz="1400" dirty="0" err="1" smtClean="0"/>
+              <a:t>thi</a:t>
+            </a:r>
+            <a:r>
+              <a:rPr lang="en-US" sz="1400" dirty="0" smtClean="0"/>
+              <a:t> </a:t>
+            </a:r>
+            <a:r>
+              <a:rPr lang="en-US" sz="1400" dirty="0" err="1" smtClean="0"/>
+              <a:t>hàm</a:t>
+            </a:r>
+            <a:r>
+              <a:rPr lang="en-US" sz="1400" dirty="0" smtClean="0"/>
+              <a:t> </a:t>
+            </a:r>
+            <a:r>
+              <a:rPr lang="en-US" sz="1400" dirty="0" err="1" smtClean="0"/>
+              <a:t>dẫn</a:t>
+            </a:r>
+            <a:r>
+              <a:rPr lang="en-US" sz="1400" dirty="0" smtClean="0"/>
+              <a:t> </a:t>
+            </a:r>
+            <a:r>
+              <a:rPr lang="en-US" sz="1400" dirty="0" err="1" smtClean="0"/>
+              <a:t>tới</a:t>
+            </a:r>
+            <a:r>
+              <a:rPr lang="en-US" sz="1400" dirty="0" smtClean="0"/>
+              <a:t> </a:t>
+            </a:r>
+            <a:r>
+              <a:rPr lang="en-US" sz="1400" dirty="0" err="1" smtClean="0"/>
+              <a:t>lớp</a:t>
+            </a:r>
+            <a:r>
+              <a:rPr lang="en-US" sz="1400" dirty="0" smtClean="0"/>
+              <a:t> </a:t>
+            </a:r>
+            <a:r>
+              <a:rPr lang="en-US" sz="1400" dirty="0" err="1" smtClean="0"/>
+              <a:t>xử</a:t>
+            </a:r>
+            <a:r>
+              <a:rPr lang="en-US" sz="1400" dirty="0" smtClean="0"/>
+              <a:t> </a:t>
+            </a:r>
+            <a:r>
+              <a:rPr lang="en-US" sz="1400" dirty="0" err="1" smtClean="0"/>
+              <a:t>lý</a:t>
+            </a:r>
+            <a:r>
+              <a:rPr lang="en-US" sz="1400" dirty="0" smtClean="0"/>
+              <a:t> request </a:t>
+            </a:r>
+            <a:r>
+              <a:rPr lang="en-US" sz="1400" dirty="0" err="1" smtClean="0"/>
+              <a:t>tiếp</a:t>
+            </a:r>
+            <a:r>
+              <a:rPr lang="en-US" sz="1400" dirty="0" smtClean="0"/>
+              <a:t> </a:t>
+            </a:r>
+            <a:r>
+              <a:rPr lang="en-US" sz="1400" dirty="0" err="1" smtClean="0"/>
+              <a:t>theo.</a:t>
+            </a:r>
+            <a:r>
+              <a:rPr lang="en-US" sz="1400" dirty="0" smtClean="0"/>
+              <a:t> (</a:t>
+            </a:r>
+            <a:r>
+              <a:rPr lang="en-US" dirty="0"/>
+              <a:t>successor</a:t>
+            </a:r>
+            <a:r>
+              <a:rPr lang="en-US" sz="1050" dirty="0"/>
+              <a:t> </a:t>
+            </a:r>
+            <a:r>
+              <a:rPr lang="en-US" sz="1400" dirty="0" smtClean="0"/>
+              <a:t>)</a:t>
+            </a:r>
+            <a:endParaRPr lang="en-US" sz="1400" dirty="0"/>
+          </a:p>
+          <a:p>
+            <a:pPr lvl="0"/>
+            <a:r>
+              <a:rPr lang="en-US" b="1" dirty="0" err="1" smtClean="0"/>
+              <a:t>ConcreteHandler</a:t>
+            </a:r>
+            <a:r>
+              <a:rPr lang="en-US" dirty="0" smtClean="0"/>
+              <a:t>:</a:t>
+            </a:r>
+            <a:endParaRPr lang="en-US" sz="1600" dirty="0"/>
+          </a:p>
+          <a:p>
+            <a:pPr lvl="1"/>
+            <a:r>
+              <a:rPr lang="en-US" dirty="0" err="1" smtClean="0"/>
+              <a:t>Xử</a:t>
+            </a:r>
+            <a:r>
+              <a:rPr lang="en-US" dirty="0" smtClean="0"/>
+              <a:t> </a:t>
+            </a:r>
+            <a:r>
+              <a:rPr lang="en-US" dirty="0" err="1" smtClean="0"/>
+              <a:t>lý</a:t>
+            </a:r>
+            <a:r>
+              <a:rPr lang="en-US" dirty="0" smtClean="0"/>
+              <a:t> request </a:t>
+            </a:r>
+            <a:r>
+              <a:rPr lang="en-US" dirty="0" err="1" smtClean="0"/>
+              <a:t>đúng</a:t>
+            </a:r>
+            <a:r>
+              <a:rPr lang="en-US" dirty="0" smtClean="0"/>
+              <a:t> </a:t>
+            </a:r>
+            <a:r>
+              <a:rPr lang="en-US" dirty="0" err="1" smtClean="0"/>
+              <a:t>với</a:t>
+            </a:r>
+            <a:r>
+              <a:rPr lang="en-US" dirty="0" smtClean="0"/>
+              <a:t> </a:t>
+            </a:r>
+            <a:r>
+              <a:rPr lang="en-US" dirty="0" err="1" smtClean="0"/>
+              <a:t>trách</a:t>
+            </a:r>
+            <a:r>
+              <a:rPr lang="en-US" dirty="0" smtClean="0"/>
+              <a:t> </a:t>
+            </a:r>
+            <a:r>
+              <a:rPr lang="en-US" dirty="0" err="1" smtClean="0"/>
+              <a:t>nhiệm</a:t>
+            </a:r>
+            <a:r>
+              <a:rPr lang="en-US" dirty="0" smtClean="0"/>
+              <a:t> </a:t>
+            </a:r>
+            <a:r>
+              <a:rPr lang="en-US" dirty="0" err="1" smtClean="0"/>
+              <a:t>của</a:t>
+            </a:r>
+            <a:r>
+              <a:rPr lang="en-US" dirty="0" smtClean="0"/>
+              <a:t> </a:t>
+            </a:r>
+            <a:r>
+              <a:rPr lang="en-US" dirty="0" err="1" smtClean="0"/>
+              <a:t>nó</a:t>
+            </a:r>
+            <a:r>
+              <a:rPr lang="en-US" dirty="0" smtClean="0"/>
+              <a:t>. </a:t>
+            </a:r>
+            <a:endParaRPr lang="en-US" sz="1400" dirty="0"/>
+          </a:p>
+          <a:p>
+            <a:pPr lvl="1"/>
+            <a:r>
+              <a:rPr lang="en-US" dirty="0" err="1" smtClean="0"/>
+              <a:t>Có</a:t>
+            </a:r>
+            <a:r>
+              <a:rPr lang="en-US" dirty="0" smtClean="0"/>
+              <a:t> </a:t>
+            </a:r>
+            <a:r>
+              <a:rPr lang="en-US" dirty="0" err="1" smtClean="0"/>
+              <a:t>thể</a:t>
+            </a:r>
+            <a:r>
+              <a:rPr lang="en-US" dirty="0" smtClean="0"/>
+              <a:t> </a:t>
+            </a:r>
+            <a:r>
+              <a:rPr lang="en-US" dirty="0" err="1" smtClean="0"/>
+              <a:t>truy</a:t>
+            </a:r>
+            <a:r>
+              <a:rPr lang="en-US" dirty="0" smtClean="0"/>
+              <a:t> </a:t>
+            </a:r>
+            <a:r>
+              <a:rPr lang="en-US" dirty="0" err="1" smtClean="0"/>
+              <a:t>cập</a:t>
+            </a:r>
+            <a:r>
+              <a:rPr lang="en-US" dirty="0" smtClean="0"/>
+              <a:t> </a:t>
+            </a:r>
+            <a:r>
+              <a:rPr lang="en-US" dirty="0" err="1" smtClean="0"/>
+              <a:t>vào</a:t>
+            </a:r>
+            <a:r>
+              <a:rPr lang="en-US" dirty="0" smtClean="0"/>
+              <a:t> </a:t>
+            </a:r>
+            <a:r>
+              <a:rPr lang="en-US" dirty="0" err="1" smtClean="0"/>
+              <a:t>hàm</a:t>
+            </a:r>
+            <a:r>
+              <a:rPr lang="en-US" dirty="0" smtClean="0"/>
+              <a:t> </a:t>
+            </a:r>
+            <a:r>
+              <a:rPr lang="en-US" dirty="0" err="1" smtClean="0"/>
+              <a:t>dẫn</a:t>
+            </a:r>
+            <a:r>
+              <a:rPr lang="en-US" dirty="0" smtClean="0"/>
+              <a:t> </a:t>
+            </a:r>
+            <a:r>
+              <a:rPr lang="en-US" dirty="0" err="1" smtClean="0"/>
+              <a:t>tới</a:t>
+            </a:r>
+            <a:r>
+              <a:rPr lang="en-US" dirty="0" smtClean="0"/>
+              <a:t> </a:t>
+            </a:r>
+            <a:r>
+              <a:rPr lang="en-US" dirty="0" err="1" smtClean="0"/>
+              <a:t>lớp</a:t>
+            </a:r>
+            <a:r>
+              <a:rPr lang="en-US" dirty="0" smtClean="0"/>
+              <a:t> </a:t>
+            </a:r>
+            <a:r>
+              <a:rPr lang="en-US" dirty="0" err="1" smtClean="0"/>
+              <a:t>xử</a:t>
+            </a:r>
+            <a:r>
+              <a:rPr lang="en-US" dirty="0" smtClean="0"/>
+              <a:t> </a:t>
+            </a:r>
+            <a:r>
+              <a:rPr lang="en-US" dirty="0" err="1" smtClean="0"/>
+              <a:t>lý</a:t>
+            </a:r>
+            <a:r>
+              <a:rPr lang="en-US" dirty="0" smtClean="0"/>
+              <a:t> request </a:t>
+            </a:r>
+            <a:r>
+              <a:rPr lang="en-US" dirty="0" err="1" smtClean="0"/>
+              <a:t>kế</a:t>
+            </a:r>
+            <a:r>
+              <a:rPr lang="en-US" dirty="0" smtClean="0"/>
+              <a:t> </a:t>
+            </a:r>
+            <a:r>
+              <a:rPr lang="en-US" dirty="0" err="1" smtClean="0"/>
+              <a:t>tiếp</a:t>
+            </a:r>
+            <a:r>
+              <a:rPr lang="en-US" dirty="0" smtClean="0"/>
+              <a:t>.</a:t>
+            </a:r>
+          </a:p>
+          <a:p>
+            <a:pPr lvl="1"/>
+            <a:r>
+              <a:rPr lang="en-US" dirty="0" err="1" smtClean="0"/>
+              <a:t>Nếu</a:t>
+            </a:r>
+            <a:r>
+              <a:rPr lang="en-US" dirty="0" smtClean="0"/>
+              <a:t> </a:t>
+            </a:r>
+            <a:r>
+              <a:rPr lang="en-US" dirty="0" err="1" smtClean="0"/>
+              <a:t>chính</a:t>
+            </a:r>
+            <a:r>
+              <a:rPr lang="en-US" dirty="0" smtClean="0"/>
+              <a:t> </a:t>
+            </a:r>
+            <a:r>
+              <a:rPr lang="en-US" dirty="0" err="1" smtClean="0"/>
+              <a:t>nó</a:t>
+            </a:r>
+            <a:r>
+              <a:rPr lang="en-US" dirty="0" smtClean="0"/>
+              <a:t> </a:t>
+            </a:r>
+            <a:r>
+              <a:rPr lang="en-US" dirty="0" err="1" smtClean="0"/>
+              <a:t>có</a:t>
+            </a:r>
+            <a:r>
+              <a:rPr lang="en-US" dirty="0" smtClean="0"/>
+              <a:t> </a:t>
+            </a:r>
+            <a:r>
+              <a:rPr lang="en-US" dirty="0" err="1" smtClean="0"/>
+              <a:t>thể</a:t>
+            </a:r>
+            <a:r>
+              <a:rPr lang="en-US" dirty="0" smtClean="0"/>
+              <a:t> </a:t>
+            </a:r>
+            <a:r>
+              <a:rPr lang="en-US" dirty="0" err="1" smtClean="0"/>
+              <a:t>xử</a:t>
+            </a:r>
+            <a:r>
+              <a:rPr lang="en-US" dirty="0" smtClean="0"/>
+              <a:t> </a:t>
+            </a:r>
+            <a:r>
+              <a:rPr lang="en-US" dirty="0" err="1" smtClean="0"/>
+              <a:t>lý</a:t>
+            </a:r>
+            <a:r>
+              <a:rPr lang="en-US" dirty="0" smtClean="0"/>
+              <a:t> request </a:t>
+            </a:r>
+            <a:r>
+              <a:rPr lang="en-US" dirty="0" err="1" smtClean="0"/>
+              <a:t>thì</a:t>
+            </a:r>
+            <a:r>
+              <a:rPr lang="en-US" dirty="0" smtClean="0"/>
+              <a:t> </a:t>
+            </a:r>
+            <a:r>
+              <a:rPr lang="en-US" dirty="0" err="1" smtClean="0"/>
+              <a:t>nó</a:t>
+            </a:r>
+            <a:r>
+              <a:rPr lang="en-US" dirty="0" smtClean="0"/>
+              <a:t> </a:t>
+            </a:r>
+            <a:r>
+              <a:rPr lang="en-US" dirty="0" err="1" smtClean="0"/>
+              <a:t>sẽ</a:t>
+            </a:r>
+            <a:r>
+              <a:rPr lang="en-US" dirty="0" smtClean="0"/>
+              <a:t> </a:t>
+            </a:r>
+            <a:r>
+              <a:rPr lang="en-US" dirty="0" err="1" smtClean="0"/>
+              <a:t>xử</a:t>
+            </a:r>
+            <a:r>
+              <a:rPr lang="en-US" dirty="0" smtClean="0"/>
+              <a:t> </a:t>
+            </a:r>
+            <a:r>
+              <a:rPr lang="en-US" dirty="0" err="1" smtClean="0"/>
+              <a:t>lý</a:t>
+            </a:r>
+            <a:r>
+              <a:rPr lang="en-US" dirty="0" smtClean="0"/>
+              <a:t> </a:t>
+            </a:r>
+            <a:r>
+              <a:rPr lang="en-US" dirty="0" err="1" smtClean="0"/>
+              <a:t>và</a:t>
+            </a:r>
+            <a:r>
+              <a:rPr lang="en-US" dirty="0" smtClean="0"/>
+              <a:t> </a:t>
+            </a:r>
+            <a:r>
+              <a:rPr lang="en-US" dirty="0" err="1" smtClean="0"/>
+              <a:t>trả</a:t>
+            </a:r>
+            <a:r>
+              <a:rPr lang="en-US" dirty="0" smtClean="0"/>
+              <a:t> </a:t>
+            </a:r>
+            <a:r>
+              <a:rPr lang="en-US" dirty="0" err="1" smtClean="0"/>
+              <a:t>về</a:t>
+            </a:r>
+            <a:r>
+              <a:rPr lang="en-US" dirty="0" smtClean="0"/>
+              <a:t> </a:t>
+            </a:r>
+            <a:r>
+              <a:rPr lang="en-US" dirty="0" err="1" smtClean="0"/>
+              <a:t>kết</a:t>
+            </a:r>
+            <a:r>
+              <a:rPr lang="en-US" dirty="0" smtClean="0"/>
+              <a:t> </a:t>
+            </a:r>
+            <a:r>
+              <a:rPr lang="en-US" dirty="0" err="1" smtClean="0"/>
+              <a:t>quả</a:t>
+            </a:r>
+            <a:r>
+              <a:rPr lang="en-US" dirty="0" smtClean="0"/>
+              <a:t>, </a:t>
+            </a:r>
+            <a:r>
+              <a:rPr lang="en-US" dirty="0" err="1" smtClean="0"/>
+              <a:t>nếu</a:t>
+            </a:r>
+            <a:r>
+              <a:rPr lang="en-US" dirty="0" smtClean="0"/>
+              <a:t> </a:t>
+            </a:r>
+            <a:r>
+              <a:rPr lang="en-US" dirty="0" err="1" smtClean="0"/>
+              <a:t>không</a:t>
+            </a:r>
+            <a:r>
+              <a:rPr lang="en-US" dirty="0" smtClean="0"/>
+              <a:t> </a:t>
+            </a:r>
+            <a:r>
+              <a:rPr lang="en-US" dirty="0" err="1" smtClean="0"/>
+              <a:t>thì</a:t>
+            </a:r>
+            <a:r>
+              <a:rPr lang="en-US" dirty="0" smtClean="0"/>
+              <a:t> </a:t>
+            </a:r>
+            <a:r>
+              <a:rPr lang="en-US" dirty="0" err="1" smtClean="0"/>
+              <a:t>nó</a:t>
+            </a:r>
+            <a:r>
+              <a:rPr lang="en-US" dirty="0" smtClean="0"/>
+              <a:t> </a:t>
+            </a:r>
+            <a:r>
+              <a:rPr lang="en-US" dirty="0" err="1" smtClean="0"/>
+              <a:t>sẽ</a:t>
+            </a:r>
+            <a:r>
+              <a:rPr lang="en-US" dirty="0" smtClean="0"/>
+              <a:t> </a:t>
+            </a:r>
+            <a:r>
+              <a:rPr lang="en-US" dirty="0" err="1" smtClean="0"/>
+              <a:t>ủy</a:t>
+            </a:r>
+            <a:r>
+              <a:rPr lang="en-US" dirty="0" smtClean="0"/>
+              <a:t> </a:t>
+            </a:r>
+            <a:r>
+              <a:rPr lang="en-US" dirty="0" err="1" smtClean="0"/>
+              <a:t>quyền</a:t>
+            </a:r>
+            <a:r>
+              <a:rPr lang="en-US" dirty="0" smtClean="0"/>
+              <a:t> </a:t>
+            </a:r>
+            <a:r>
+              <a:rPr lang="en-US" dirty="0" err="1" smtClean="0"/>
+              <a:t>xử</a:t>
+            </a:r>
+            <a:r>
+              <a:rPr lang="en-US" dirty="0" smtClean="0"/>
+              <a:t> </a:t>
+            </a:r>
+            <a:r>
+              <a:rPr lang="en-US" dirty="0" err="1" smtClean="0"/>
+              <a:t>lý</a:t>
+            </a:r>
+            <a:r>
+              <a:rPr lang="en-US" dirty="0" smtClean="0"/>
+              <a:t> </a:t>
+            </a:r>
+            <a:r>
+              <a:rPr lang="en-US" dirty="0" err="1" smtClean="0"/>
+              <a:t>cho</a:t>
+            </a:r>
+            <a:r>
+              <a:rPr lang="en-US" dirty="0" smtClean="0"/>
+              <a:t> </a:t>
+            </a:r>
+            <a:r>
+              <a:rPr lang="en-US" dirty="0" err="1" smtClean="0"/>
+              <a:t>lớp</a:t>
+            </a:r>
+            <a:r>
+              <a:rPr lang="en-US" dirty="0" smtClean="0"/>
+              <a:t> </a:t>
+            </a:r>
+            <a:r>
+              <a:rPr lang="en-US" dirty="0" err="1" smtClean="0"/>
+              <a:t>kế</a:t>
+            </a:r>
+            <a:r>
+              <a:rPr lang="en-US" dirty="0" smtClean="0"/>
+              <a:t> </a:t>
+            </a:r>
+            <a:r>
+              <a:rPr lang="en-US" dirty="0" err="1" smtClean="0"/>
+              <a:t>tiếp</a:t>
+            </a:r>
+            <a:r>
+              <a:rPr lang="en-US" dirty="0" smtClean="0"/>
+              <a:t> </a:t>
+            </a:r>
+            <a:r>
+              <a:rPr lang="en-US" dirty="0" err="1" smtClean="0"/>
+              <a:t>xử</a:t>
+            </a:r>
+            <a:r>
+              <a:rPr lang="en-US" dirty="0" smtClean="0"/>
+              <a:t> </a:t>
+            </a:r>
+            <a:r>
+              <a:rPr lang="en-US" dirty="0" err="1" smtClean="0"/>
+              <a:t>lý</a:t>
+            </a:r>
+            <a:r>
+              <a:rPr lang="en-US" dirty="0" smtClean="0"/>
+              <a:t> </a:t>
+            </a:r>
+            <a:r>
+              <a:rPr lang="en-US" dirty="0" err="1" smtClean="0"/>
+              <a:t>thông</a:t>
+            </a:r>
+            <a:r>
+              <a:rPr lang="en-US" dirty="0" smtClean="0"/>
+              <a:t> qua </a:t>
+            </a:r>
+            <a:r>
+              <a:rPr lang="en-US" dirty="0" err="1" smtClean="0"/>
+              <a:t>hàm</a:t>
+            </a:r>
+            <a:r>
+              <a:rPr lang="en-US" dirty="0" smtClean="0"/>
+              <a:t> </a:t>
+            </a:r>
+            <a:r>
+              <a:rPr lang="en-US" dirty="0"/>
+              <a:t> </a:t>
+            </a:r>
+            <a:r>
+              <a:rPr lang="en-US" dirty="0" err="1"/>
+              <a:t>dẫn</a:t>
+            </a:r>
+            <a:r>
+              <a:rPr lang="en-US" dirty="0"/>
+              <a:t> </a:t>
+            </a:r>
+            <a:r>
+              <a:rPr lang="en-US" dirty="0" err="1"/>
+              <a:t>tới</a:t>
+            </a:r>
+            <a:r>
+              <a:rPr lang="en-US" dirty="0"/>
+              <a:t> </a:t>
+            </a:r>
+            <a:r>
+              <a:rPr lang="en-US" dirty="0" err="1"/>
+              <a:t>lớp</a:t>
+            </a:r>
+            <a:r>
+              <a:rPr lang="en-US" dirty="0"/>
+              <a:t> </a:t>
+            </a:r>
+            <a:r>
+              <a:rPr lang="en-US" dirty="0" err="1"/>
+              <a:t>xử</a:t>
+            </a:r>
+            <a:r>
+              <a:rPr lang="en-US" dirty="0"/>
+              <a:t> </a:t>
+            </a:r>
+            <a:r>
+              <a:rPr lang="en-US" dirty="0" err="1"/>
+              <a:t>lý</a:t>
+            </a:r>
+            <a:r>
+              <a:rPr lang="en-US" dirty="0"/>
+              <a:t> request </a:t>
+            </a:r>
+            <a:r>
+              <a:rPr lang="en-US" dirty="0" err="1"/>
+              <a:t>kế</a:t>
+            </a:r>
+            <a:r>
+              <a:rPr lang="en-US" dirty="0"/>
+              <a:t> </a:t>
+            </a:r>
+            <a:r>
+              <a:rPr lang="en-US" dirty="0" err="1"/>
+              <a:t>tiếp</a:t>
+            </a:r>
+            <a:endParaRPr lang="en-US" dirty="0"/>
+          </a:p>
+          <a:p>
+            <a:pPr lvl="0"/>
+            <a:r>
+              <a:rPr lang="en-US" b="1" dirty="0" smtClean="0"/>
+              <a:t>Client</a:t>
+            </a:r>
+            <a:r>
+              <a:rPr lang="en-US" dirty="0" smtClean="0"/>
+              <a:t>: </a:t>
+            </a:r>
+            <a:endParaRPr lang="en-US" sz="1600" dirty="0"/>
+          </a:p>
+          <a:p>
+            <a:pPr lvl="1"/>
+            <a:r>
+              <a:rPr lang="en-US" dirty="0" err="1" smtClean="0"/>
+              <a:t>Khởi</a:t>
+            </a:r>
+            <a:r>
+              <a:rPr lang="en-US" dirty="0" smtClean="0"/>
+              <a:t> </a:t>
+            </a:r>
+            <a:r>
+              <a:rPr lang="en-US" dirty="0" err="1" smtClean="0"/>
+              <a:t>tạo</a:t>
+            </a:r>
+            <a:r>
+              <a:rPr lang="en-US" dirty="0" smtClean="0"/>
+              <a:t> request </a:t>
+            </a:r>
+            <a:r>
+              <a:rPr lang="en-US" dirty="0" err="1" smtClean="0"/>
+              <a:t>cho</a:t>
+            </a:r>
+            <a:r>
+              <a:rPr lang="en-US" dirty="0" smtClean="0"/>
+              <a:t> </a:t>
+            </a:r>
+            <a:r>
+              <a:rPr lang="en-US" dirty="0" err="1" smtClean="0"/>
+              <a:t>một</a:t>
+            </a:r>
+            <a:r>
+              <a:rPr lang="en-US" dirty="0" smtClean="0"/>
+              <a:t> </a:t>
+            </a:r>
+            <a:r>
+              <a:rPr lang="en-US" dirty="0" err="1" smtClean="0"/>
+              <a:t>đối</a:t>
+            </a:r>
+            <a:r>
+              <a:rPr lang="en-US" dirty="0" smtClean="0"/>
+              <a:t> </a:t>
+            </a:r>
+            <a:r>
+              <a:rPr lang="en-US" dirty="0" err="1" smtClean="0"/>
+              <a:t>tượng</a:t>
+            </a:r>
+            <a:r>
+              <a:rPr lang="en-US" dirty="0" smtClean="0"/>
+              <a:t> </a:t>
+            </a:r>
+            <a:r>
+              <a:rPr lang="en-US" dirty="0" err="1"/>
+              <a:t>ConcreteHandler</a:t>
+            </a:r>
+            <a:r>
+              <a:rPr lang="en-US" sz="1050" dirty="0"/>
+              <a:t> </a:t>
+            </a:r>
+            <a:r>
+              <a:rPr lang="en-US" dirty="0" err="1" smtClean="0"/>
+              <a:t>trong</a:t>
+            </a:r>
+            <a:r>
+              <a:rPr lang="en-US" dirty="0" smtClean="0"/>
+              <a:t> </a:t>
+            </a:r>
+            <a:r>
+              <a:rPr lang="en-US" dirty="0" err="1" smtClean="0"/>
+              <a:t>chuỗi</a:t>
+            </a:r>
+            <a:r>
+              <a:rPr lang="en-US" dirty="0" smtClean="0"/>
+              <a:t> </a:t>
+            </a:r>
+            <a:r>
+              <a:rPr lang="en-US" dirty="0" err="1" smtClean="0"/>
+              <a:t>lớp</a:t>
+            </a:r>
+            <a:r>
+              <a:rPr lang="en-US" dirty="0" smtClean="0"/>
+              <a:t> </a:t>
+            </a:r>
+            <a:r>
+              <a:rPr lang="en-US" dirty="0" err="1" smtClean="0"/>
+              <a:t>xử</a:t>
+            </a:r>
+            <a:r>
+              <a:rPr lang="en-US" dirty="0" smtClean="0"/>
+              <a:t> </a:t>
+            </a:r>
+            <a:r>
+              <a:rPr lang="en-US" dirty="0" err="1" smtClean="0"/>
+              <a:t>lý</a:t>
+            </a:r>
+            <a:endParaRPr lang="en-US" dirty="0"/>
+          </a:p>
+          <a:p>
+            <a:pPr marL="0" indent="0">
+              <a:buNone/>
+            </a:pPr>
+            <a:endParaRPr lang="en-US" dirty="0"/>
+          </a:p>
+        </p:txBody>
+      </p:sp>
+      <p:sp>
+        <p:nvSpPr>
+          <p:cNvPr id="3" name="Content Placeholder 2"/>
+          <p:cNvSpPr>
+            <a:spLocks noGrp="1"/>
+          </p:cNvSpPr>
+          <p:nvPr>
+            <p:ph sz="half" idx="1"/>
+          </p:nvPr>
+        </p:nvSpPr>
+        <p:spPr/>
+        <p:txBody>
+          <a:bodyPr>
+            <a:normAutofit/>
+          </a:bodyPr>
+          <a:lstStyle/>
+          <a:p>
             <a:endParaRPr lang="en-US"/>
           </a:p>
         </p:txBody>
       </p:sp>
+      <p:pic>
+        <p:nvPicPr>
+          <p:cNvPr id="1026" name="Picture 2" descr="https://www.codeproject.com/KB/architecture/743783/chain.png"/>
+          <p:cNvPicPr>
+            <a:picLocks noChangeAspect="1" noChangeArrowheads="1"/>
+          </p:cNvPicPr>
+          <p:nvPr/>
+        </p:nvPicPr>
+        <p:blipFill>
+          <a:blip r:embed="rId2">
+            <a:extLst>
+              <a:ext uri="{28A0092B-C50C-407E-A947-70E740481C1C}">
+                <a14:useLocalDpi xmlns:a14="http://schemas.microsoft.com/office/drawing/2010/main" val="0"/>
+              </a:ext>
+            </a:extLst>
+          </a:blip>
+          <a:srcRect/>
+          <a:stretch>
+            <a:fillRect/>
+          </a:stretch>
+        </p:blipFill>
+        <p:spPr bwMode="auto">
+          <a:xfrm>
+            <a:off x="677334" y="2773482"/>
+            <a:ext cx="4152900" cy="1847851"/>
+          </a:xfrm>
+          <a:prstGeom prst="rect">
+            <a:avLst/>
+          </a:prstGeom>
+          <a:noFill/>
+          <a:extLst>
+            <a:ext uri="{909E8E84-426E-40DD-AFC4-6F175D3DCCD1}">
+              <a14:hiddenFill xmlns:a14="http://schemas.microsoft.com/office/drawing/2010/main">
+                <a:solidFill>
+                  <a:srgbClr val="FFFFFF"/>
+                </a:solidFill>
+              </a14:hiddenFill>
+            </a:ext>
+          </a:extLst>
+        </p:spPr>
+      </p:pic>
     </p:spTree>
     <p:extLst>
       <p:ext uri="{BB962C8B-B14F-4D97-AF65-F5344CB8AC3E}">
-        <p14:creationId xmlns:p14="http://schemas.microsoft.com/office/powerpoint/2010/main" val="3202979120"/>
+        <p14:creationId xmlns:p14="http://schemas.microsoft.com/office/powerpoint/2010/main" val="1137891412"/>
       </p:ext>
     </p:extLst>
   </p:cSld>
   <p:clrMapOvr>
     <a:masterClrMapping/>
   </p:clrMapOvr>
+  <p:timing>
+    <p:tnLst>
+      <p:par>
+        <p:cTn id="1" dur="indefinite" restart="never" nodeType="tmRoot"/>
+      </p:par>
+    </p:tnLst>
+  </p:timing>
 </p:sld>
 </file>
 
@@ -6622,75 +9247,71 @@
           <a:p>
             <a:r>
               <a:rPr lang="en-US" b="1"/>
-              <a:t>Cấu trúc - Thành phần</a:t>
-            </a:r>
-          </a:p>
-        </p:txBody>
-      </p:sp>
-      <p:sp>
-        <p:nvSpPr>
-          <p:cNvPr id="4" name="Content Placeholder 3"/>
-          <p:cNvSpPr>
-            <a:spLocks noGrp="1"/>
-          </p:cNvSpPr>
-          <p:nvPr>
-            <p:ph sz="half" idx="2"/>
-          </p:nvPr>
-        </p:nvSpPr>
-        <p:spPr/>
-        <p:txBody>
-          <a:bodyPr>
-            <a:normAutofit/>
-          </a:bodyPr>
-          <a:lstStyle/>
-          <a:p>
-            <a:pPr lvl="0" fontAlgn="base"/>
-            <a:r>
-              <a:rPr lang="en-US" b="1"/>
-              <a:t>Mô tả các thành phần</a:t>
-            </a:r>
-            <a:endParaRPr lang="en-US"/>
-          </a:p>
-          <a:p>
-            <a:endParaRPr lang="en-US"/>
-          </a:p>
-        </p:txBody>
-      </p:sp>
-      <p:sp>
-        <p:nvSpPr>
-          <p:cNvPr id="3" name="Content Placeholder 2"/>
-          <p:cNvSpPr>
-            <a:spLocks noGrp="1"/>
-          </p:cNvSpPr>
-          <p:nvPr>
-            <p:ph sz="half" idx="1"/>
-          </p:nvPr>
-        </p:nvSpPr>
-        <p:spPr/>
-        <p:txBody>
-          <a:bodyPr>
-            <a:normAutofit/>
-          </a:bodyPr>
-          <a:lstStyle/>
-          <a:p>
-            <a:r>
-              <a:rPr lang="en-US"/>
-              <a:t>Sơ đồ UML</a:t>
-            </a:r>
-            <a:endParaRPr lang="en-US"/>
-          </a:p>
-        </p:txBody>
-      </p:sp>
+              <a:t>Mối quan hệ</a:t>
+            </a:r>
+          </a:p>
+        </p:txBody>
+      </p:sp>
+      <p:pic>
+        <p:nvPicPr>
+          <p:cNvPr id="2050" name="Picture 2" descr="Image result for chain of responsibility design pattern sequence"/>
+          <p:cNvPicPr>
+            <a:picLocks noGrp="1" noChangeAspect="1" noChangeArrowheads="1"/>
+          </p:cNvPicPr>
+          <p:nvPr>
+            <p:ph idx="1"/>
+          </p:nvPr>
+        </p:nvPicPr>
+        <p:blipFill>
+          <a:blip r:embed="rId2">
+            <a:extLst>
+              <a:ext uri="{28A0092B-C50C-407E-A947-70E740481C1C}">
+                <a14:useLocalDpi xmlns:a14="http://schemas.microsoft.com/office/drawing/2010/main" val="0"/>
+              </a:ext>
+            </a:extLst>
+          </a:blip>
+          <a:srcRect/>
+          <a:stretch>
+            <a:fillRect/>
+          </a:stretch>
+        </p:blipFill>
+        <p:spPr bwMode="auto">
+          <a:xfrm>
+            <a:off x="2629175" y="2056301"/>
+            <a:ext cx="6251659" cy="3498338"/>
+          </a:xfrm>
+          <a:prstGeom prst="rect">
+            <a:avLst/>
+          </a:prstGeom>
+          <a:noFill/>
+          <a:extLst>
+            <a:ext uri="{909E8E84-426E-40DD-AFC4-6F175D3DCCD1}">
+              <a14:hiddenFill xmlns:a14="http://schemas.microsoft.com/office/drawing/2010/main">
+                <a:solidFill>
+                  <a:srgbClr val="FFFFFF"/>
+                </a:solidFill>
+              </a14:hiddenFill>
+            </a:ext>
+          </a:extLst>
+        </p:spPr>
+      </p:pic>
     </p:spTree>
     <p:extLst>
       <p:ext uri="{BB962C8B-B14F-4D97-AF65-F5344CB8AC3E}">
-        <p14:creationId xmlns:p14="http://schemas.microsoft.com/office/powerpoint/2010/main" val="1137891412"/>
+        <p14:creationId xmlns:p14="http://schemas.microsoft.com/office/powerpoint/2010/main" val="1283871467"/>
       </p:ext>
     </p:extLst>
   </p:cSld>
   <p:clrMapOvr>
     <a:masterClrMapping/>
   </p:clrMapOvr>
+  <p:timing>
+    <p:tnLst>
+      <p:par>
+        <p:cTn id="1" dur="indefinite" restart="never" nodeType="tmRoot"/>
+      </p:par>
+    </p:tnLst>
+  </p:timing>
 </p:sld>
 </file>
 
@@ -6728,7 +9349,7 @@
           <a:p>
             <a:r>
               <a:rPr lang="en-US" b="1"/>
-              <a:t>Mối quan hệ</a:t>
+              <a:t>Các hệ quả mang lại</a:t>
             </a:r>
           </a:p>
         </p:txBody>
@@ -6748,20 +9369,400 @@
           <a:bodyPr/>
           <a:lstStyle/>
           <a:p>
-            <a:endParaRPr lang="en-US"/>
+            <a:r>
+              <a:rPr lang="en-US" dirty="0" err="1"/>
+              <a:t>Ưu</a:t>
+            </a:r>
+            <a:r>
+              <a:rPr lang="en-US" dirty="0"/>
+              <a:t> </a:t>
+            </a:r>
+            <a:r>
+              <a:rPr lang="en-US" dirty="0" err="1"/>
+              <a:t>điểm</a:t>
+            </a:r>
+            <a:r>
+              <a:rPr lang="en-US" dirty="0"/>
+              <a:t>:</a:t>
+            </a:r>
+          </a:p>
+          <a:p>
+            <a:pPr lvl="1"/>
+            <a:r>
+              <a:rPr lang="en-US" dirty="0" err="1" smtClean="0"/>
+              <a:t>Sử</a:t>
+            </a:r>
+            <a:r>
+              <a:rPr lang="en-US" dirty="0" smtClean="0"/>
+              <a:t> </a:t>
+            </a:r>
+            <a:r>
+              <a:rPr lang="en-US" dirty="0" err="1" smtClean="0"/>
+              <a:t>dụng</a:t>
+            </a:r>
+            <a:r>
+              <a:rPr lang="en-US" dirty="0" smtClean="0"/>
+              <a:t> </a:t>
+            </a:r>
+            <a:r>
+              <a:rPr lang="en-US" dirty="0" err="1" smtClean="0"/>
+              <a:t>mẫu</a:t>
+            </a:r>
+            <a:r>
+              <a:rPr lang="en-US" dirty="0" smtClean="0"/>
+              <a:t> </a:t>
+            </a:r>
+            <a:r>
+              <a:rPr lang="en-US" dirty="0" err="1" smtClean="0"/>
+              <a:t>này</a:t>
+            </a:r>
+            <a:r>
+              <a:rPr lang="en-US" dirty="0" smtClean="0"/>
+              <a:t> </a:t>
+            </a:r>
+            <a:r>
+              <a:rPr lang="en-US" dirty="0" err="1" smtClean="0"/>
+              <a:t>giúp</a:t>
+            </a:r>
+            <a:r>
+              <a:rPr lang="en-US" dirty="0" smtClean="0"/>
+              <a:t> </a:t>
+            </a:r>
+            <a:r>
+              <a:rPr lang="en-US" dirty="0" err="1" smtClean="0"/>
+              <a:t>chúng</a:t>
+            </a:r>
+            <a:r>
+              <a:rPr lang="en-US" dirty="0" smtClean="0"/>
+              <a:t> ta </a:t>
+            </a:r>
+            <a:r>
+              <a:rPr lang="en-US" dirty="0" err="1" smtClean="0"/>
+              <a:t>giảm</a:t>
+            </a:r>
+            <a:r>
+              <a:rPr lang="en-US" dirty="0" smtClean="0"/>
+              <a:t> </a:t>
+            </a:r>
+            <a:r>
+              <a:rPr lang="en-US" dirty="0" err="1" smtClean="0"/>
+              <a:t>được</a:t>
+            </a:r>
+            <a:r>
+              <a:rPr lang="en-US" dirty="0" smtClean="0"/>
+              <a:t> </a:t>
+            </a:r>
+            <a:r>
+              <a:rPr lang="en-US" dirty="0" err="1" smtClean="0"/>
+              <a:t>trách</a:t>
+            </a:r>
+            <a:r>
+              <a:rPr lang="en-US" dirty="0" smtClean="0"/>
+              <a:t> </a:t>
+            </a:r>
+            <a:r>
+              <a:rPr lang="en-US" dirty="0" err="1" smtClean="0"/>
+              <a:t>nhiệm</a:t>
+            </a:r>
+            <a:r>
+              <a:rPr lang="en-US" dirty="0" smtClean="0"/>
+              <a:t> </a:t>
+            </a:r>
+            <a:r>
+              <a:rPr lang="en-US" dirty="0" err="1" smtClean="0"/>
+              <a:t>xử</a:t>
+            </a:r>
+            <a:r>
+              <a:rPr lang="en-US" dirty="0" smtClean="0"/>
+              <a:t> </a:t>
+            </a:r>
+            <a:r>
+              <a:rPr lang="en-US" dirty="0" err="1" smtClean="0"/>
+              <a:t>lý</a:t>
+            </a:r>
+            <a:r>
+              <a:rPr lang="en-US" dirty="0" smtClean="0"/>
+              <a:t> </a:t>
+            </a:r>
+            <a:r>
+              <a:rPr lang="en-US" dirty="0" err="1" smtClean="0"/>
+              <a:t>một</a:t>
+            </a:r>
+            <a:r>
+              <a:rPr lang="en-US" dirty="0"/>
+              <a:t> </a:t>
+            </a:r>
+            <a:r>
+              <a:rPr lang="en-US" dirty="0" smtClean="0"/>
+              <a:t>request </a:t>
+            </a:r>
+            <a:r>
+              <a:rPr lang="en-US" dirty="0" err="1" smtClean="0"/>
+              <a:t>phức</a:t>
+            </a:r>
+            <a:r>
+              <a:rPr lang="en-US" dirty="0" smtClean="0"/>
+              <a:t> </a:t>
+            </a:r>
+            <a:r>
+              <a:rPr lang="en-US" dirty="0" err="1" smtClean="0"/>
+              <a:t>tạp</a:t>
+            </a:r>
+            <a:r>
+              <a:rPr lang="en-US" dirty="0" smtClean="0"/>
+              <a:t> </a:t>
+            </a:r>
+            <a:r>
+              <a:rPr lang="en-US" dirty="0" err="1" smtClean="0"/>
+              <a:t>cho</a:t>
+            </a:r>
+            <a:r>
+              <a:rPr lang="en-US" dirty="0" smtClean="0"/>
+              <a:t> </a:t>
+            </a:r>
+            <a:r>
+              <a:rPr lang="en-US" dirty="0" err="1" smtClean="0"/>
+              <a:t>một</a:t>
+            </a:r>
+            <a:r>
+              <a:rPr lang="en-US" dirty="0" smtClean="0"/>
+              <a:t> </a:t>
+            </a:r>
+            <a:r>
+              <a:rPr lang="en-US" dirty="0" err="1" smtClean="0"/>
+              <a:t>lớp</a:t>
+            </a:r>
+            <a:r>
+              <a:rPr lang="en-US" dirty="0" smtClean="0"/>
+              <a:t>, </a:t>
+            </a:r>
+            <a:r>
+              <a:rPr lang="en-US" dirty="0" err="1" smtClean="0"/>
+              <a:t>trong</a:t>
+            </a:r>
+            <a:r>
+              <a:rPr lang="en-US" dirty="0" smtClean="0"/>
+              <a:t> </a:t>
+            </a:r>
+            <a:r>
+              <a:rPr lang="en-US" dirty="0" err="1" smtClean="0"/>
+              <a:t>đó</a:t>
+            </a:r>
+            <a:r>
+              <a:rPr lang="en-US" dirty="0" smtClean="0"/>
+              <a:t> request </a:t>
+            </a:r>
+            <a:r>
+              <a:rPr lang="en-US" dirty="0" err="1" smtClean="0"/>
+              <a:t>thuộc</a:t>
+            </a:r>
+            <a:r>
+              <a:rPr lang="en-US" dirty="0" smtClean="0"/>
+              <a:t> </a:t>
+            </a:r>
+            <a:r>
+              <a:rPr lang="en-US" dirty="0" err="1" smtClean="0"/>
+              <a:t>nhiều</a:t>
+            </a:r>
+            <a:r>
+              <a:rPr lang="en-US" dirty="0" smtClean="0"/>
+              <a:t> </a:t>
+            </a:r>
+            <a:r>
+              <a:rPr lang="en-US" dirty="0" err="1" smtClean="0"/>
+              <a:t>trường</a:t>
+            </a:r>
+            <a:r>
+              <a:rPr lang="en-US" dirty="0" smtClean="0"/>
+              <a:t> </a:t>
+            </a:r>
+            <a:r>
+              <a:rPr lang="en-US" dirty="0" err="1" smtClean="0"/>
+              <a:t>hợp</a:t>
+            </a:r>
+            <a:r>
+              <a:rPr lang="en-US" dirty="0" smtClean="0"/>
+              <a:t> </a:t>
+            </a:r>
+            <a:r>
+              <a:rPr lang="en-US" dirty="0" err="1" smtClean="0"/>
+              <a:t>có</a:t>
+            </a:r>
+            <a:r>
+              <a:rPr lang="en-US" dirty="0" smtClean="0"/>
+              <a:t> </a:t>
+            </a:r>
+            <a:r>
+              <a:rPr lang="en-US" dirty="0" err="1" smtClean="0"/>
+              <a:t>kết</a:t>
+            </a:r>
+            <a:r>
+              <a:rPr lang="en-US" dirty="0" smtClean="0"/>
+              <a:t> </a:t>
+            </a:r>
+            <a:r>
+              <a:rPr lang="en-US" dirty="0" err="1" smtClean="0"/>
+              <a:t>quả</a:t>
+            </a:r>
+            <a:r>
+              <a:rPr lang="en-US" dirty="0" smtClean="0"/>
+              <a:t> </a:t>
+            </a:r>
+            <a:r>
+              <a:rPr lang="en-US" dirty="0" err="1" smtClean="0"/>
+              <a:t>trả</a:t>
+            </a:r>
+            <a:r>
+              <a:rPr lang="en-US" dirty="0" smtClean="0"/>
+              <a:t> </a:t>
+            </a:r>
+            <a:r>
+              <a:rPr lang="en-US" dirty="0" err="1" smtClean="0"/>
+              <a:t>về</a:t>
+            </a:r>
+            <a:r>
+              <a:rPr lang="en-US" dirty="0" smtClean="0"/>
+              <a:t> </a:t>
+            </a:r>
+            <a:r>
+              <a:rPr lang="en-US" dirty="0" err="1" smtClean="0"/>
+              <a:t>khác</a:t>
+            </a:r>
+            <a:r>
+              <a:rPr lang="en-US" dirty="0" smtClean="0"/>
+              <a:t> </a:t>
+            </a:r>
+            <a:r>
+              <a:rPr lang="en-US" dirty="0" err="1" smtClean="0"/>
+              <a:t>nhau</a:t>
+            </a:r>
+            <a:r>
+              <a:rPr lang="en-US" dirty="0" smtClean="0"/>
+              <a:t>.</a:t>
+            </a:r>
+            <a:endParaRPr lang="en-US" dirty="0"/>
+          </a:p>
+          <a:p>
+            <a:r>
+              <a:rPr lang="en-US" dirty="0" err="1"/>
+              <a:t>Hạn</a:t>
+            </a:r>
+            <a:r>
+              <a:rPr lang="en-US" dirty="0"/>
+              <a:t> </a:t>
+            </a:r>
+            <a:r>
+              <a:rPr lang="en-US" dirty="0" err="1"/>
+              <a:t>chế</a:t>
+            </a:r>
+            <a:r>
+              <a:rPr lang="en-US" dirty="0"/>
+              <a:t>:</a:t>
+            </a:r>
+          </a:p>
+          <a:p>
+            <a:pPr lvl="1"/>
+            <a:r>
+              <a:rPr lang="en-US" dirty="0" err="1" smtClean="0"/>
+              <a:t>Khó</a:t>
+            </a:r>
+            <a:r>
+              <a:rPr lang="en-US" dirty="0" smtClean="0"/>
+              <a:t> </a:t>
+            </a:r>
+            <a:r>
+              <a:rPr lang="en-US" dirty="0" err="1" smtClean="0"/>
+              <a:t>có</a:t>
+            </a:r>
+            <a:r>
+              <a:rPr lang="en-US" dirty="0" smtClean="0"/>
+              <a:t> </a:t>
+            </a:r>
+            <a:r>
+              <a:rPr lang="en-US" dirty="0" err="1" smtClean="0"/>
+              <a:t>thể</a:t>
+            </a:r>
+            <a:r>
+              <a:rPr lang="en-US" dirty="0" smtClean="0"/>
+              <a:t> </a:t>
+            </a:r>
+            <a:r>
+              <a:rPr lang="en-US" dirty="0" err="1" smtClean="0"/>
+              <a:t>sử</a:t>
+            </a:r>
+            <a:r>
+              <a:rPr lang="en-US" dirty="0" smtClean="0"/>
+              <a:t> </a:t>
+            </a:r>
+            <a:r>
+              <a:rPr lang="en-US" dirty="0" err="1" smtClean="0"/>
+              <a:t>dụng</a:t>
+            </a:r>
+            <a:r>
+              <a:rPr lang="en-US" dirty="0" smtClean="0"/>
+              <a:t> </a:t>
+            </a:r>
+            <a:r>
+              <a:rPr lang="en-US" dirty="0" err="1" smtClean="0"/>
+              <a:t>lại</a:t>
+            </a:r>
+            <a:r>
+              <a:rPr lang="en-US" dirty="0" smtClean="0"/>
+              <a:t> </a:t>
+            </a:r>
+            <a:r>
+              <a:rPr lang="en-US" dirty="0" err="1" smtClean="0"/>
+              <a:t>cho</a:t>
+            </a:r>
+            <a:r>
+              <a:rPr lang="en-US" dirty="0" smtClean="0"/>
+              <a:t> </a:t>
+            </a:r>
+            <a:r>
+              <a:rPr lang="en-US" dirty="0" err="1" smtClean="0"/>
+              <a:t>các</a:t>
+            </a:r>
+            <a:r>
+              <a:rPr lang="en-US" dirty="0" smtClean="0"/>
+              <a:t> project </a:t>
+            </a:r>
+            <a:r>
+              <a:rPr lang="en-US" dirty="0" err="1" smtClean="0"/>
+              <a:t>khác</a:t>
+            </a:r>
+            <a:r>
+              <a:rPr lang="en-US" dirty="0" smtClean="0"/>
+              <a:t>.</a:t>
+            </a:r>
+            <a:endParaRPr lang="en-US" dirty="0"/>
+          </a:p>
+          <a:p>
+            <a:pPr lvl="1"/>
+            <a:endParaRPr lang="en-US" dirty="0"/>
+          </a:p>
+          <a:p>
+            <a:pPr lvl="1"/>
+            <a:endParaRPr lang="en-US" dirty="0"/>
           </a:p>
         </p:txBody>
       </p:sp>
     </p:spTree>
     <p:extLst>
       <p:ext uri="{BB962C8B-B14F-4D97-AF65-F5344CB8AC3E}">
-        <p14:creationId xmlns:p14="http://schemas.microsoft.com/office/powerpoint/2010/main" val="1283871467"/>
+        <p14:creationId xmlns:p14="http://schemas.microsoft.com/office/powerpoint/2010/main" val="3529588423"/>
       </p:ext>
     </p:extLst>
   </p:cSld>
   <p:clrMapOvr>
     <a:masterClrMapping/>
   </p:clrMapOvr>
+  <p:timing>
+    <p:tnLst>
+      <p:par>
+        <p:cTn id="1" dur="indefinite" restart="never" nodeType="tmRoot"/>
+      </p:par>
+    </p:tnLst>
+  </p:timing>
 </p:sld>
 </file>
 
@@ -6799,7 +9800,7 @@
           <a:p>
             <a:r>
               <a:rPr lang="en-US" b="1"/>
-              <a:t>Các hệ quả mang lại</a:t>
+              <a:t>Các chú ý liên quan đến cài đặt</a:t>
             </a:r>
           </a:p>
         </p:txBody>
@@ -6819,14 +9820,126 @@
           <a:bodyPr/>
           <a:lstStyle/>
           <a:p>
-            <a:endParaRPr lang="en-US"/>
+            <a:r>
+              <a:rPr lang="en-US" dirty="0" smtClean="0"/>
+              <a:t>Interface (</a:t>
+            </a:r>
+            <a:r>
+              <a:rPr lang="en-US" dirty="0" err="1" smtClean="0"/>
+              <a:t>hoặc</a:t>
+            </a:r>
+            <a:r>
+              <a:rPr lang="en-US" dirty="0" smtClean="0"/>
+              <a:t> abstract class) Handler </a:t>
+            </a:r>
+            <a:r>
+              <a:rPr lang="en-US" dirty="0" err="1" smtClean="0"/>
+              <a:t>nên</a:t>
+            </a:r>
+            <a:r>
+              <a:rPr lang="en-US" dirty="0" smtClean="0"/>
+              <a:t> </a:t>
+            </a:r>
+            <a:r>
+              <a:rPr lang="en-US" dirty="0" err="1" smtClean="0"/>
+              <a:t>có</a:t>
+            </a:r>
+            <a:r>
+              <a:rPr lang="en-US" dirty="0" smtClean="0"/>
+              <a:t> </a:t>
+            </a:r>
+            <a:r>
+              <a:rPr lang="en-US" dirty="0" err="1" smtClean="0"/>
+              <a:t>một</a:t>
+            </a:r>
+            <a:r>
+              <a:rPr lang="en-US" dirty="0" smtClean="0"/>
+              <a:t> </a:t>
+            </a:r>
+            <a:r>
+              <a:rPr lang="en-US" dirty="0" err="1" smtClean="0"/>
+              <a:t>hàm</a:t>
+            </a:r>
+            <a:r>
+              <a:rPr lang="en-US" dirty="0" smtClean="0"/>
+              <a:t> </a:t>
+            </a:r>
+            <a:r>
+              <a:rPr lang="en-US" dirty="0" err="1" smtClean="0"/>
+              <a:t>để</a:t>
+            </a:r>
+            <a:r>
+              <a:rPr lang="en-US" dirty="0" smtClean="0"/>
+              <a:t> </a:t>
+            </a:r>
+            <a:r>
+              <a:rPr lang="en-US" dirty="0" err="1" smtClean="0"/>
+              <a:t>ủy</a:t>
+            </a:r>
+            <a:r>
+              <a:rPr lang="en-US" dirty="0" smtClean="0"/>
+              <a:t> </a:t>
+            </a:r>
+            <a:r>
+              <a:rPr lang="en-US" dirty="0" err="1" smtClean="0"/>
+              <a:t>quyền</a:t>
+            </a:r>
+            <a:r>
+              <a:rPr lang="en-US" dirty="0" smtClean="0"/>
+              <a:t> </a:t>
+            </a:r>
+            <a:r>
+              <a:rPr lang="en-US" dirty="0" err="1" smtClean="0"/>
+              <a:t>đến</a:t>
+            </a:r>
+            <a:r>
+              <a:rPr lang="en-US" dirty="0" smtClean="0"/>
+              <a:t> </a:t>
+            </a:r>
+            <a:r>
+              <a:rPr lang="en-US" dirty="0" err="1" smtClean="0"/>
+              <a:t>lớp</a:t>
+            </a:r>
+            <a:r>
+              <a:rPr lang="en-US" dirty="0" smtClean="0"/>
+              <a:t> </a:t>
+            </a:r>
+            <a:r>
+              <a:rPr lang="en-US" dirty="0" err="1" smtClean="0"/>
+              <a:t>xử</a:t>
+            </a:r>
+            <a:r>
+              <a:rPr lang="en-US" dirty="0" smtClean="0"/>
+              <a:t> </a:t>
+            </a:r>
+            <a:r>
+              <a:rPr lang="en-US" dirty="0" err="1" smtClean="0"/>
+              <a:t>lý</a:t>
+            </a:r>
+            <a:r>
+              <a:rPr lang="en-US" dirty="0" smtClean="0"/>
+              <a:t> </a:t>
+            </a:r>
+            <a:r>
+              <a:rPr lang="en-US" dirty="0" err="1" smtClean="0"/>
+              <a:t>tiếp</a:t>
+            </a:r>
+            <a:r>
+              <a:rPr lang="en-US" dirty="0" smtClean="0"/>
+              <a:t> </a:t>
+            </a:r>
+            <a:r>
+              <a:rPr lang="en-US" dirty="0" err="1" smtClean="0"/>
+              <a:t>theo.</a:t>
+            </a:r>
+            <a:endParaRPr lang="en-US" dirty="0"/>
           </a:p>
         </p:txBody>
       </p:sp>
     </p:spTree>
     <p:extLst>
       <p:ext uri="{BB962C8B-B14F-4D97-AF65-F5344CB8AC3E}">
-        <p14:creationId xmlns:p14="http://schemas.microsoft.com/office/powerpoint/2010/main" val="3529588423"/>
+        <p14:creationId xmlns:p14="http://schemas.microsoft.com/office/powerpoint/2010/main" val="1313416780"/>
       </p:ext>
     </p:extLst>
   </p:cSld>
